--- a/JavaLecture/LectureFile/java 2강.pptx
+++ b/JavaLecture/LectureFile/java 2강.pptx
@@ -243,7 +243,7 @@
           <a:p>
             <a:fld id="{D79F2C30-10E1-4C46-91DC-BBDB9629E720}" type="datetimeFigureOut">
               <a:rPr lang="ko-KR" altLang="en-US" smtClean="0"/>
-              <a:t>2023-01-08</a:t>
+              <a:t>2023-01-14</a:t>
             </a:fld>
             <a:endParaRPr lang="ko-KR" altLang="en-US"/>
           </a:p>
@@ -689,7 +689,7 @@
           <a:p>
             <a:fld id="{F8166F1F-CE9B-4651-A6AA-CD717754106B}" type="datetimeFigureOut">
               <a:rPr lang="en-US" smtClean="0"/>
-              <a:t>1/8/2023</a:t>
+              <a:t>1/14/2023</a:t>
             </a:fld>
             <a:endParaRPr lang="en-US"/>
           </a:p>
@@ -852,7 +852,7 @@
           <a:p>
             <a:fld id="{A76116CE-C4A3-4A05-B2D7-7C2E9A889C0F}" type="datetimeFigureOut">
               <a:rPr lang="en-US" smtClean="0"/>
-              <a:t>1/8/2023</a:t>
+              <a:t>1/14/2023</a:t>
             </a:fld>
             <a:endParaRPr lang="en-US"/>
           </a:p>
@@ -1025,7 +1025,7 @@
           <a:p>
             <a:fld id="{A76116CE-C4A3-4A05-B2D7-7C2E9A889C0F}" type="datetimeFigureOut">
               <a:rPr lang="en-US" smtClean="0"/>
-              <a:t>1/8/2023</a:t>
+              <a:t>1/14/2023</a:t>
             </a:fld>
             <a:endParaRPr lang="en-US"/>
           </a:p>
@@ -1190,7 +1190,7 @@
           <a:p>
             <a:fld id="{A76116CE-C4A3-4A05-B2D7-7C2E9A889C0F}" type="datetimeFigureOut">
               <a:rPr lang="en-US" smtClean="0"/>
-              <a:t>1/8/2023</a:t>
+              <a:t>1/14/2023</a:t>
             </a:fld>
             <a:endParaRPr lang="en-US"/>
           </a:p>
@@ -1430,7 +1430,7 @@
           <a:p>
             <a:fld id="{A76116CE-C4A3-4A05-B2D7-7C2E9A889C0F}" type="datetimeFigureOut">
               <a:rPr lang="en-US" smtClean="0"/>
-              <a:t>1/8/2023</a:t>
+              <a:t>1/14/2023</a:t>
             </a:fld>
             <a:endParaRPr lang="en-US"/>
           </a:p>
@@ -1710,7 +1710,7 @@
           <a:p>
             <a:fld id="{A76116CE-C4A3-4A05-B2D7-7C2E9A889C0F}" type="datetimeFigureOut">
               <a:rPr lang="en-US" smtClean="0"/>
-              <a:t>1/8/2023</a:t>
+              <a:t>1/14/2023</a:t>
             </a:fld>
             <a:endParaRPr lang="en-US"/>
           </a:p>
@@ -2124,7 +2124,7 @@
           <a:p>
             <a:fld id="{A76116CE-C4A3-4A05-B2D7-7C2E9A889C0F}" type="datetimeFigureOut">
               <a:rPr lang="en-US" smtClean="0"/>
-              <a:t>1/8/2023</a:t>
+              <a:t>1/14/2023</a:t>
             </a:fld>
             <a:endParaRPr lang="en-US"/>
           </a:p>
@@ -2236,7 +2236,7 @@
           <a:p>
             <a:fld id="{A76116CE-C4A3-4A05-B2D7-7C2E9A889C0F}" type="datetimeFigureOut">
               <a:rPr lang="en-US" smtClean="0"/>
-              <a:t>1/8/2023</a:t>
+              <a:t>1/14/2023</a:t>
             </a:fld>
             <a:endParaRPr lang="en-US"/>
           </a:p>
@@ -2326,7 +2326,7 @@
           <a:p>
             <a:fld id="{A76116CE-C4A3-4A05-B2D7-7C2E9A889C0F}" type="datetimeFigureOut">
               <a:rPr lang="en-US" smtClean="0"/>
-              <a:t>1/8/2023</a:t>
+              <a:t>1/14/2023</a:t>
             </a:fld>
             <a:endParaRPr lang="en-US"/>
           </a:p>
@@ -2596,7 +2596,7 @@
           <a:p>
             <a:fld id="{A76116CE-C4A3-4A05-B2D7-7C2E9A889C0F}" type="datetimeFigureOut">
               <a:rPr lang="en-US" smtClean="0"/>
-              <a:t>1/8/2023</a:t>
+              <a:t>1/14/2023</a:t>
             </a:fld>
             <a:endParaRPr lang="en-US"/>
           </a:p>
@@ -2843,7 +2843,7 @@
           <a:p>
             <a:fld id="{A76116CE-C4A3-4A05-B2D7-7C2E9A889C0F}" type="datetimeFigureOut">
               <a:rPr lang="en-US" smtClean="0"/>
-              <a:t>1/8/2023</a:t>
+              <a:t>1/14/2023</a:t>
             </a:fld>
             <a:endParaRPr lang="en-US"/>
           </a:p>
@@ -3049,7 +3049,7 @@
           <a:p>
             <a:fld id="{F8166F1F-CE9B-4651-A6AA-CD717754106B}" type="datetimeFigureOut">
               <a:rPr lang="en-US" smtClean="0"/>
-              <a:t>1/8/2023</a:t>
+              <a:t>1/14/2023</a:t>
             </a:fld>
             <a:endParaRPr lang="en-US"/>
           </a:p>
@@ -3705,7 +3705,7 @@
           <p:cNvPr id="2" name="TextBox 1">
             <a:extLst>
               <a:ext uri="{FF2B5EF4-FFF2-40B4-BE49-F238E27FC236}">
-                <a16:creationId xmlns="" xmlns:a16="http://schemas.microsoft.com/office/drawing/2014/main" id="{E9A453A8-9968-67AB-7B4A-83EEB4662AA6}"/>
+                <a16:creationId xmlns:a16="http://schemas.microsoft.com/office/drawing/2014/main" xmlns="" id="{E9A453A8-9968-67AB-7B4A-83EEB4662AA6}"/>
               </a:ext>
             </a:extLst>
           </p:cNvPr>
@@ -3753,7 +3753,7 @@
           <p:cNvPr id="4" name="TextBox 3">
             <a:extLst>
               <a:ext uri="{FF2B5EF4-FFF2-40B4-BE49-F238E27FC236}">
-                <a16:creationId xmlns="" xmlns:a16="http://schemas.microsoft.com/office/drawing/2014/main" id="{F4B7A35A-8AAC-4622-64BC-CAD1472D4115}"/>
+                <a16:creationId xmlns:a16="http://schemas.microsoft.com/office/drawing/2014/main" xmlns="" id="{F4B7A35A-8AAC-4622-64BC-CAD1472D4115}"/>
               </a:ext>
             </a:extLst>
           </p:cNvPr>
@@ -3825,7 +3825,7 @@
           <p:cNvPr id="7" name="TextBox 6">
             <a:extLst>
               <a:ext uri="{FF2B5EF4-FFF2-40B4-BE49-F238E27FC236}">
-                <a16:creationId xmlns="" xmlns:a16="http://schemas.microsoft.com/office/drawing/2014/main" id="{3ACE900A-D779-4343-6623-8588B376F0A1}"/>
+                <a16:creationId xmlns:a16="http://schemas.microsoft.com/office/drawing/2014/main" xmlns="" id="{3ACE900A-D779-4343-6623-8588B376F0A1}"/>
               </a:ext>
             </a:extLst>
           </p:cNvPr>
@@ -3889,7 +3889,7 @@
           <p:cNvPr id="4" name="TextBox 3">
             <a:extLst>
               <a:ext uri="{FF2B5EF4-FFF2-40B4-BE49-F238E27FC236}">
-                <a16:creationId xmlns:a16="http://schemas.microsoft.com/office/drawing/2014/main" xmlns="" id="{5ADC00B6-990A-40DC-3CEA-505258F5E8DA}"/>
+                <a16:creationId xmlns="" xmlns:a16="http://schemas.microsoft.com/office/drawing/2014/main" id="{5ADC00B6-990A-40DC-3CEA-505258F5E8DA}"/>
               </a:ext>
             </a:extLst>
           </p:cNvPr>
@@ -3978,7 +3978,7 @@
           <p:cNvPr id="6" name="TextBox 5">
             <a:extLst>
               <a:ext uri="{FF2B5EF4-FFF2-40B4-BE49-F238E27FC236}">
-                <a16:creationId xmlns:a16="http://schemas.microsoft.com/office/drawing/2014/main" xmlns="" id="{5ADC00B6-990A-40DC-3CEA-505258F5E8DA}"/>
+                <a16:creationId xmlns="" xmlns:a16="http://schemas.microsoft.com/office/drawing/2014/main" id="{5ADC00B6-990A-40DC-3CEA-505258F5E8DA}"/>
               </a:ext>
             </a:extLst>
           </p:cNvPr>
@@ -4019,7 +4019,7 @@
           <p:cNvPr id="7" name="TextBox 6">
             <a:extLst>
               <a:ext uri="{FF2B5EF4-FFF2-40B4-BE49-F238E27FC236}">
-                <a16:creationId xmlns:a16="http://schemas.microsoft.com/office/drawing/2014/main" xmlns="" id="{5ADC00B6-990A-40DC-3CEA-505258F5E8DA}"/>
+                <a16:creationId xmlns="" xmlns:a16="http://schemas.microsoft.com/office/drawing/2014/main" id="{5ADC00B6-990A-40DC-3CEA-505258F5E8DA}"/>
               </a:ext>
             </a:extLst>
           </p:cNvPr>
@@ -4060,7 +4060,7 @@
           <p:cNvPr id="8" name="TextBox 7">
             <a:extLst>
               <a:ext uri="{FF2B5EF4-FFF2-40B4-BE49-F238E27FC236}">
-                <a16:creationId xmlns:a16="http://schemas.microsoft.com/office/drawing/2014/main" xmlns="" id="{5ADC00B6-990A-40DC-3CEA-505258F5E8DA}"/>
+                <a16:creationId xmlns="" xmlns:a16="http://schemas.microsoft.com/office/drawing/2014/main" id="{5ADC00B6-990A-40DC-3CEA-505258F5E8DA}"/>
               </a:ext>
             </a:extLst>
           </p:cNvPr>
@@ -4101,7 +4101,7 @@
           <p:cNvPr id="9" name="TextBox 8">
             <a:extLst>
               <a:ext uri="{FF2B5EF4-FFF2-40B4-BE49-F238E27FC236}">
-                <a16:creationId xmlns:a16="http://schemas.microsoft.com/office/drawing/2014/main" xmlns="" id="{5ADC00B6-990A-40DC-3CEA-505258F5E8DA}"/>
+                <a16:creationId xmlns="" xmlns:a16="http://schemas.microsoft.com/office/drawing/2014/main" id="{5ADC00B6-990A-40DC-3CEA-505258F5E8DA}"/>
               </a:ext>
             </a:extLst>
           </p:cNvPr>
@@ -4142,7 +4142,7 @@
           <p:cNvPr id="10" name="TextBox 9">
             <a:extLst>
               <a:ext uri="{FF2B5EF4-FFF2-40B4-BE49-F238E27FC236}">
-                <a16:creationId xmlns:a16="http://schemas.microsoft.com/office/drawing/2014/main" xmlns="" id="{5ADC00B6-990A-40DC-3CEA-505258F5E8DA}"/>
+                <a16:creationId xmlns="" xmlns:a16="http://schemas.microsoft.com/office/drawing/2014/main" id="{5ADC00B6-990A-40DC-3CEA-505258F5E8DA}"/>
               </a:ext>
             </a:extLst>
           </p:cNvPr>
@@ -4183,7 +4183,7 @@
           <p:cNvPr id="11" name="TextBox 10">
             <a:extLst>
               <a:ext uri="{FF2B5EF4-FFF2-40B4-BE49-F238E27FC236}">
-                <a16:creationId xmlns:a16="http://schemas.microsoft.com/office/drawing/2014/main" xmlns="" id="{5ADC00B6-990A-40DC-3CEA-505258F5E8DA}"/>
+                <a16:creationId xmlns="" xmlns:a16="http://schemas.microsoft.com/office/drawing/2014/main" id="{5ADC00B6-990A-40DC-3CEA-505258F5E8DA}"/>
               </a:ext>
             </a:extLst>
           </p:cNvPr>
@@ -4610,7 +4610,7 @@
           <p:cNvPr id="6" name="TextBox 5">
             <a:extLst>
               <a:ext uri="{FF2B5EF4-FFF2-40B4-BE49-F238E27FC236}">
-                <a16:creationId xmlns:a16="http://schemas.microsoft.com/office/drawing/2014/main" xmlns="" id="{5ADC00B6-990A-40DC-3CEA-505258F5E8DA}"/>
+                <a16:creationId xmlns="" xmlns:a16="http://schemas.microsoft.com/office/drawing/2014/main" id="{5ADC00B6-990A-40DC-3CEA-505258F5E8DA}"/>
               </a:ext>
             </a:extLst>
           </p:cNvPr>
@@ -4729,7 +4729,7 @@
           <p:cNvPr id="4" name="TextBox 3">
             <a:extLst>
               <a:ext uri="{FF2B5EF4-FFF2-40B4-BE49-F238E27FC236}">
-                <a16:creationId xmlns:a16="http://schemas.microsoft.com/office/drawing/2014/main" xmlns="" id="{5ADC00B6-990A-40DC-3CEA-505258F5E8DA}"/>
+                <a16:creationId xmlns="" xmlns:a16="http://schemas.microsoft.com/office/drawing/2014/main" id="{5ADC00B6-990A-40DC-3CEA-505258F5E8DA}"/>
               </a:ext>
             </a:extLst>
           </p:cNvPr>
@@ -4801,7 +4801,7 @@
           <p:cNvPr id="6" name="TextBox 5">
             <a:extLst>
               <a:ext uri="{FF2B5EF4-FFF2-40B4-BE49-F238E27FC236}">
-                <a16:creationId xmlns:a16="http://schemas.microsoft.com/office/drawing/2014/main" xmlns="" id="{5ADC00B6-990A-40DC-3CEA-505258F5E8DA}"/>
+                <a16:creationId xmlns="" xmlns:a16="http://schemas.microsoft.com/office/drawing/2014/main" id="{5ADC00B6-990A-40DC-3CEA-505258F5E8DA}"/>
               </a:ext>
             </a:extLst>
           </p:cNvPr>
@@ -4873,7 +4873,7 @@
           <p:cNvPr id="9" name="TextBox 8">
             <a:extLst>
               <a:ext uri="{FF2B5EF4-FFF2-40B4-BE49-F238E27FC236}">
-                <a16:creationId xmlns:a16="http://schemas.microsoft.com/office/drawing/2014/main" xmlns="" id="{5ADC00B6-990A-40DC-3CEA-505258F5E8DA}"/>
+                <a16:creationId xmlns="" xmlns:a16="http://schemas.microsoft.com/office/drawing/2014/main" id="{5ADC00B6-990A-40DC-3CEA-505258F5E8DA}"/>
               </a:ext>
             </a:extLst>
           </p:cNvPr>
@@ -4992,7 +4992,7 @@
           <p:cNvPr id="5" name="TextBox 4">
             <a:extLst>
               <a:ext uri="{FF2B5EF4-FFF2-40B4-BE49-F238E27FC236}">
-                <a16:creationId xmlns:a16="http://schemas.microsoft.com/office/drawing/2014/main" xmlns="" id="{5ADC00B6-990A-40DC-3CEA-505258F5E8DA}"/>
+                <a16:creationId xmlns="" xmlns:a16="http://schemas.microsoft.com/office/drawing/2014/main" id="{5ADC00B6-990A-40DC-3CEA-505258F5E8DA}"/>
               </a:ext>
             </a:extLst>
           </p:cNvPr>
@@ -5203,7 +5203,7 @@
           <p:cNvPr id="5" name="TextBox 4">
             <a:extLst>
               <a:ext uri="{FF2B5EF4-FFF2-40B4-BE49-F238E27FC236}">
-                <a16:creationId xmlns:a16="http://schemas.microsoft.com/office/drawing/2014/main" xmlns="" id="{5ADC00B6-990A-40DC-3CEA-505258F5E8DA}"/>
+                <a16:creationId xmlns="" xmlns:a16="http://schemas.microsoft.com/office/drawing/2014/main" id="{5ADC00B6-990A-40DC-3CEA-505258F5E8DA}"/>
               </a:ext>
             </a:extLst>
           </p:cNvPr>
@@ -5390,7 +5390,7 @@
           <p:cNvPr id="4" name="TextBox 3">
             <a:extLst>
               <a:ext uri="{FF2B5EF4-FFF2-40B4-BE49-F238E27FC236}">
-                <a16:creationId xmlns:a16="http://schemas.microsoft.com/office/drawing/2014/main" xmlns="" id="{5ADC00B6-990A-40DC-3CEA-505258F5E8DA}"/>
+                <a16:creationId xmlns="" xmlns:a16="http://schemas.microsoft.com/office/drawing/2014/main" id="{5ADC00B6-990A-40DC-3CEA-505258F5E8DA}"/>
               </a:ext>
             </a:extLst>
           </p:cNvPr>
@@ -5486,7 +5486,7 @@
           <p:cNvPr id="5" name="TextBox 4">
             <a:extLst>
               <a:ext uri="{FF2B5EF4-FFF2-40B4-BE49-F238E27FC236}">
-                <a16:creationId xmlns="" xmlns:a16="http://schemas.microsoft.com/office/drawing/2014/main" id="{C6D113C6-EA5C-788F-0C77-E7CE6EBB865F}"/>
+                <a16:creationId xmlns:a16="http://schemas.microsoft.com/office/drawing/2014/main" xmlns="" id="{C6D113C6-EA5C-788F-0C77-E7CE6EBB865F}"/>
               </a:ext>
             </a:extLst>
           </p:cNvPr>
@@ -5679,7 +5679,7 @@
           <p:cNvPr id="4" name="TextBox 3">
             <a:extLst>
               <a:ext uri="{FF2B5EF4-FFF2-40B4-BE49-F238E27FC236}">
-                <a16:creationId xmlns:a16="http://schemas.microsoft.com/office/drawing/2014/main" xmlns="" id="{5ADC00B6-990A-40DC-3CEA-505258F5E8DA}"/>
+                <a16:creationId xmlns="" xmlns:a16="http://schemas.microsoft.com/office/drawing/2014/main" id="{5ADC00B6-990A-40DC-3CEA-505258F5E8DA}"/>
               </a:ext>
             </a:extLst>
           </p:cNvPr>
@@ -5727,7 +5727,7 @@
           <p:cNvPr id="5" name="TextBox 4">
             <a:extLst>
               <a:ext uri="{FF2B5EF4-FFF2-40B4-BE49-F238E27FC236}">
-                <a16:creationId xmlns:a16="http://schemas.microsoft.com/office/drawing/2014/main" xmlns="" id="{4EDAA912-8FA0-0F11-119B-EA9F8B36A489}"/>
+                <a16:creationId xmlns="" xmlns:a16="http://schemas.microsoft.com/office/drawing/2014/main" id="{4EDAA912-8FA0-0F11-119B-EA9F8B36A489}"/>
               </a:ext>
             </a:extLst>
           </p:cNvPr>
@@ -5964,7 +5964,7 @@
           <p:cNvPr id="9" name="TextBox 8">
             <a:extLst>
               <a:ext uri="{FF2B5EF4-FFF2-40B4-BE49-F238E27FC236}">
-                <a16:creationId xmlns:a16="http://schemas.microsoft.com/office/drawing/2014/main" xmlns="" id="{4EDAA912-8FA0-0F11-119B-EA9F8B36A489}"/>
+                <a16:creationId xmlns="" xmlns:a16="http://schemas.microsoft.com/office/drawing/2014/main" id="{4EDAA912-8FA0-0F11-119B-EA9F8B36A489}"/>
               </a:ext>
             </a:extLst>
           </p:cNvPr>
@@ -6162,7 +6162,7 @@
           <p:cNvPr id="12" name="TextBox 11">
             <a:extLst>
               <a:ext uri="{FF2B5EF4-FFF2-40B4-BE49-F238E27FC236}">
-                <a16:creationId xmlns:a16="http://schemas.microsoft.com/office/drawing/2014/main" xmlns="" id="{4EDAA912-8FA0-0F11-119B-EA9F8B36A489}"/>
+                <a16:creationId xmlns="" xmlns:a16="http://schemas.microsoft.com/office/drawing/2014/main" id="{4EDAA912-8FA0-0F11-119B-EA9F8B36A489}"/>
               </a:ext>
             </a:extLst>
           </p:cNvPr>
@@ -6607,7 +6607,7 @@
           <p:cNvPr id="6" name="직선 화살표 연결선 5">
             <a:extLst>
               <a:ext uri="{FF2B5EF4-FFF2-40B4-BE49-F238E27FC236}">
-                <a16:creationId xmlns="" xmlns:a16="http://schemas.microsoft.com/office/drawing/2014/main" id="{299DF5EC-9DF4-5255-06AC-0A7CE4FF58C3}"/>
+                <a16:creationId xmlns:a16="http://schemas.microsoft.com/office/drawing/2014/main" xmlns="" id="{299DF5EC-9DF4-5255-06AC-0A7CE4FF58C3}"/>
               </a:ext>
             </a:extLst>
           </p:cNvPr>
@@ -6648,7 +6648,7 @@
           <p:cNvPr id="7" name="직사각형 6">
             <a:extLst>
               <a:ext uri="{FF2B5EF4-FFF2-40B4-BE49-F238E27FC236}">
-                <a16:creationId xmlns="" xmlns:a16="http://schemas.microsoft.com/office/drawing/2014/main" id="{FFF506F9-840A-0508-4CAF-3AC711D8D5CE}"/>
+                <a16:creationId xmlns:a16="http://schemas.microsoft.com/office/drawing/2014/main" xmlns="" id="{FFF506F9-840A-0508-4CAF-3AC711D8D5CE}"/>
               </a:ext>
             </a:extLst>
           </p:cNvPr>
@@ -6700,7 +6700,7 @@
           <p:cNvPr id="8" name="TextBox 7">
             <a:extLst>
               <a:ext uri="{FF2B5EF4-FFF2-40B4-BE49-F238E27FC236}">
-                <a16:creationId xmlns="" xmlns:a16="http://schemas.microsoft.com/office/drawing/2014/main" id="{C6D113C6-EA5C-788F-0C77-E7CE6EBB865F}"/>
+                <a16:creationId xmlns:a16="http://schemas.microsoft.com/office/drawing/2014/main" xmlns="" id="{C6D113C6-EA5C-788F-0C77-E7CE6EBB865F}"/>
               </a:ext>
             </a:extLst>
           </p:cNvPr>
@@ -6772,7 +6772,7 @@
           <p:cNvPr id="11" name="직선 화살표 연결선 10">
             <a:extLst>
               <a:ext uri="{FF2B5EF4-FFF2-40B4-BE49-F238E27FC236}">
-                <a16:creationId xmlns="" xmlns:a16="http://schemas.microsoft.com/office/drawing/2014/main" id="{299DF5EC-9DF4-5255-06AC-0A7CE4FF58C3}"/>
+                <a16:creationId xmlns:a16="http://schemas.microsoft.com/office/drawing/2014/main" xmlns="" id="{299DF5EC-9DF4-5255-06AC-0A7CE4FF58C3}"/>
               </a:ext>
             </a:extLst>
           </p:cNvPr>
@@ -6813,7 +6813,7 @@
           <p:cNvPr id="12" name="직사각형 11">
             <a:extLst>
               <a:ext uri="{FF2B5EF4-FFF2-40B4-BE49-F238E27FC236}">
-                <a16:creationId xmlns="" xmlns:a16="http://schemas.microsoft.com/office/drawing/2014/main" id="{FFF506F9-840A-0508-4CAF-3AC711D8D5CE}"/>
+                <a16:creationId xmlns:a16="http://schemas.microsoft.com/office/drawing/2014/main" xmlns="" id="{FFF506F9-840A-0508-4CAF-3AC711D8D5CE}"/>
               </a:ext>
             </a:extLst>
           </p:cNvPr>
@@ -6865,7 +6865,7 @@
           <p:cNvPr id="14" name="TextBox 13">
             <a:extLst>
               <a:ext uri="{FF2B5EF4-FFF2-40B4-BE49-F238E27FC236}">
-                <a16:creationId xmlns="" xmlns:a16="http://schemas.microsoft.com/office/drawing/2014/main" id="{C6D113C6-EA5C-788F-0C77-E7CE6EBB865F}"/>
+                <a16:creationId xmlns:a16="http://schemas.microsoft.com/office/drawing/2014/main" xmlns="" id="{C6D113C6-EA5C-788F-0C77-E7CE6EBB865F}"/>
               </a:ext>
             </a:extLst>
           </p:cNvPr>
@@ -7163,7 +7163,7 @@
           <p:cNvPr id="5" name="TextBox 4">
             <a:extLst>
               <a:ext uri="{FF2B5EF4-FFF2-40B4-BE49-F238E27FC236}">
-                <a16:creationId xmlns:a16="http://schemas.microsoft.com/office/drawing/2014/main" xmlns="" id="{5ADC00B6-990A-40DC-3CEA-505258F5E8DA}"/>
+                <a16:creationId xmlns="" xmlns:a16="http://schemas.microsoft.com/office/drawing/2014/main" id="{5ADC00B6-990A-40DC-3CEA-505258F5E8DA}"/>
               </a:ext>
             </a:extLst>
           </p:cNvPr>
@@ -7332,7 +7332,7 @@
           <p:cNvPr id="4" name="TextBox 3">
             <a:extLst>
               <a:ext uri="{FF2B5EF4-FFF2-40B4-BE49-F238E27FC236}">
-                <a16:creationId xmlns:a16="http://schemas.microsoft.com/office/drawing/2014/main" xmlns="" id="{5ADC00B6-990A-40DC-3CEA-505258F5E8DA}"/>
+                <a16:creationId xmlns="" xmlns:a16="http://schemas.microsoft.com/office/drawing/2014/main" id="{5ADC00B6-990A-40DC-3CEA-505258F5E8DA}"/>
               </a:ext>
             </a:extLst>
           </p:cNvPr>
@@ -7638,7 +7638,7 @@
           <p:cNvPr id="11" name="TextBox 10">
             <a:extLst>
               <a:ext uri="{FF2B5EF4-FFF2-40B4-BE49-F238E27FC236}">
-                <a16:creationId xmlns="" xmlns:a16="http://schemas.microsoft.com/office/drawing/2014/main" id="{9F88F580-08BE-88C2-D640-13F0026591CB}"/>
+                <a16:creationId xmlns:a16="http://schemas.microsoft.com/office/drawing/2014/main" xmlns="" id="{9F88F580-08BE-88C2-D640-13F0026591CB}"/>
               </a:ext>
             </a:extLst>
           </p:cNvPr>
@@ -7696,7 +7696,7 @@
           <p:cNvPr id="13" name="TextBox 12">
             <a:extLst>
               <a:ext uri="{FF2B5EF4-FFF2-40B4-BE49-F238E27FC236}">
-                <a16:creationId xmlns="" xmlns:a16="http://schemas.microsoft.com/office/drawing/2014/main" id="{72769C28-9BB6-DE9C-7B6F-264B77B8DD0E}"/>
+                <a16:creationId xmlns:a16="http://schemas.microsoft.com/office/drawing/2014/main" xmlns="" id="{72769C28-9BB6-DE9C-7B6F-264B77B8DD0E}"/>
               </a:ext>
             </a:extLst>
           </p:cNvPr>
@@ -7744,7 +7744,7 @@
           <p:cNvPr id="14" name="TextBox 13">
             <a:extLst>
               <a:ext uri="{FF2B5EF4-FFF2-40B4-BE49-F238E27FC236}">
-                <a16:creationId xmlns="" xmlns:a16="http://schemas.microsoft.com/office/drawing/2014/main" id="{270FBB6A-01CE-5637-78DA-58F0C974145C}"/>
+                <a16:creationId xmlns:a16="http://schemas.microsoft.com/office/drawing/2014/main" xmlns="" id="{270FBB6A-01CE-5637-78DA-58F0C974145C}"/>
               </a:ext>
             </a:extLst>
           </p:cNvPr>
@@ -7792,7 +7792,7 @@
           <p:cNvPr id="2" name="Object 17">
             <a:extLst>
               <a:ext uri="{FF2B5EF4-FFF2-40B4-BE49-F238E27FC236}">
-                <a16:creationId xmlns="" xmlns:a16="http://schemas.microsoft.com/office/drawing/2014/main" id="{140B283D-FE58-FA6F-6F7C-E0F1DBB62A65}"/>
+                <a16:creationId xmlns:a16="http://schemas.microsoft.com/office/drawing/2014/main" xmlns="" id="{140B283D-FE58-FA6F-6F7C-E0F1DBB62A65}"/>
               </a:ext>
             </a:extLst>
           </p:cNvPr>
@@ -7822,7 +7822,7 @@
           <p:cNvPr id="4" name="TextBox 3">
             <a:extLst>
               <a:ext uri="{FF2B5EF4-FFF2-40B4-BE49-F238E27FC236}">
-                <a16:creationId xmlns="" xmlns:a16="http://schemas.microsoft.com/office/drawing/2014/main" id="{2C8D0998-79BC-6FD2-59D9-8052B4A25F65}"/>
+                <a16:creationId xmlns:a16="http://schemas.microsoft.com/office/drawing/2014/main" xmlns="" id="{2C8D0998-79BC-6FD2-59D9-8052B4A25F65}"/>
               </a:ext>
             </a:extLst>
           </p:cNvPr>
@@ -7870,7 +7870,7 @@
           <p:cNvPr id="5" name="Object 18">
             <a:extLst>
               <a:ext uri="{FF2B5EF4-FFF2-40B4-BE49-F238E27FC236}">
-                <a16:creationId xmlns="" xmlns:a16="http://schemas.microsoft.com/office/drawing/2014/main" id="{3F58EA3E-1018-64D3-FAB2-4F6B9618FA56}"/>
+                <a16:creationId xmlns:a16="http://schemas.microsoft.com/office/drawing/2014/main" xmlns="" id="{3F58EA3E-1018-64D3-FAB2-4F6B9618FA56}"/>
               </a:ext>
             </a:extLst>
           </p:cNvPr>
@@ -7900,7 +7900,7 @@
           <p:cNvPr id="8" name="TextBox 7">
             <a:extLst>
               <a:ext uri="{FF2B5EF4-FFF2-40B4-BE49-F238E27FC236}">
-                <a16:creationId xmlns="" xmlns:a16="http://schemas.microsoft.com/office/drawing/2014/main" id="{681D3F16-7DCF-41AD-F5F1-0558C78C0E4D}"/>
+                <a16:creationId xmlns:a16="http://schemas.microsoft.com/office/drawing/2014/main" xmlns="" id="{681D3F16-7DCF-41AD-F5F1-0558C78C0E4D}"/>
               </a:ext>
             </a:extLst>
           </p:cNvPr>
@@ -7980,7 +7980,7 @@
           <p:cNvPr id="4" name="TextBox 3">
             <a:extLst>
               <a:ext uri="{FF2B5EF4-FFF2-40B4-BE49-F238E27FC236}">
-                <a16:creationId xmlns:a16="http://schemas.microsoft.com/office/drawing/2014/main" xmlns="" id="{5ADC00B6-990A-40DC-3CEA-505258F5E8DA}"/>
+                <a16:creationId xmlns="" xmlns:a16="http://schemas.microsoft.com/office/drawing/2014/main" id="{5ADC00B6-990A-40DC-3CEA-505258F5E8DA}"/>
               </a:ext>
             </a:extLst>
           </p:cNvPr>
@@ -8052,7 +8052,7 @@
           <p:cNvPr id="6" name="그룹 1008">
             <a:extLst>
               <a:ext uri="{FF2B5EF4-FFF2-40B4-BE49-F238E27FC236}">
-                <a16:creationId xmlns="" xmlns:a16="http://schemas.microsoft.com/office/drawing/2014/main" id="{678F6342-C505-E8AD-ADA4-022CB2C2088E}"/>
+                <a16:creationId xmlns:a16="http://schemas.microsoft.com/office/drawing/2014/main" xmlns="" id="{678F6342-C505-E8AD-ADA4-022CB2C2088E}"/>
               </a:ext>
             </a:extLst>
           </p:cNvPr>
@@ -8072,7 +8072,7 @@
             <p:cNvPr id="7" name="그룹 1009">
               <a:extLst>
                 <a:ext uri="{FF2B5EF4-FFF2-40B4-BE49-F238E27FC236}">
-                  <a16:creationId xmlns="" xmlns:a16="http://schemas.microsoft.com/office/drawing/2014/main" id="{4E1F1FED-812B-9BBB-925A-84B54A077414}"/>
+                  <a16:creationId xmlns:a16="http://schemas.microsoft.com/office/drawing/2014/main" xmlns="" id="{4E1F1FED-812B-9BBB-925A-84B54A077414}"/>
                 </a:ext>
               </a:extLst>
             </p:cNvPr>
@@ -8092,7 +8092,7 @@
               <p:cNvPr id="12" name="Object 29">
                 <a:extLst>
                   <a:ext uri="{FF2B5EF4-FFF2-40B4-BE49-F238E27FC236}">
-                    <a16:creationId xmlns="" xmlns:a16="http://schemas.microsoft.com/office/drawing/2014/main" id="{7B078609-4286-7B00-51EB-809C8E2DE289}"/>
+                    <a16:creationId xmlns:a16="http://schemas.microsoft.com/office/drawing/2014/main" xmlns="" id="{7B078609-4286-7B00-51EB-809C8E2DE289}"/>
                   </a:ext>
                 </a:extLst>
               </p:cNvPr>
@@ -8123,7 +8123,7 @@
             <p:cNvPr id="8" name="그룹 1010">
               <a:extLst>
                 <a:ext uri="{FF2B5EF4-FFF2-40B4-BE49-F238E27FC236}">
-                  <a16:creationId xmlns="" xmlns:a16="http://schemas.microsoft.com/office/drawing/2014/main" id="{02A649BF-B5B5-FBAF-7DFD-E118A4DF8907}"/>
+                  <a16:creationId xmlns:a16="http://schemas.microsoft.com/office/drawing/2014/main" xmlns="" id="{02A649BF-B5B5-FBAF-7DFD-E118A4DF8907}"/>
                 </a:ext>
               </a:extLst>
             </p:cNvPr>
@@ -8143,7 +8143,7 @@
               <p:cNvPr id="11" name="Object 32">
                 <a:extLst>
                   <a:ext uri="{FF2B5EF4-FFF2-40B4-BE49-F238E27FC236}">
-                    <a16:creationId xmlns="" xmlns:a16="http://schemas.microsoft.com/office/drawing/2014/main" id="{2A0FFF23-B3C9-3EA0-1C1B-A87D4FF098AE}"/>
+                    <a16:creationId xmlns:a16="http://schemas.microsoft.com/office/drawing/2014/main" xmlns="" id="{2A0FFF23-B3C9-3EA0-1C1B-A87D4FF098AE}"/>
                   </a:ext>
                 </a:extLst>
               </p:cNvPr>
@@ -8174,7 +8174,7 @@
             <p:cNvPr id="9" name="그룹 1011">
               <a:extLst>
                 <a:ext uri="{FF2B5EF4-FFF2-40B4-BE49-F238E27FC236}">
-                  <a16:creationId xmlns="" xmlns:a16="http://schemas.microsoft.com/office/drawing/2014/main" id="{881F5410-F7FB-F261-A584-707359BAC593}"/>
+                  <a16:creationId xmlns:a16="http://schemas.microsoft.com/office/drawing/2014/main" xmlns="" id="{881F5410-F7FB-F261-A584-707359BAC593}"/>
                 </a:ext>
               </a:extLst>
             </p:cNvPr>
@@ -8194,7 +8194,7 @@
               <p:cNvPr id="10" name="Object 35">
                 <a:extLst>
                   <a:ext uri="{FF2B5EF4-FFF2-40B4-BE49-F238E27FC236}">
-                    <a16:creationId xmlns="" xmlns:a16="http://schemas.microsoft.com/office/drawing/2014/main" id="{4E99E669-73EB-F9F4-EFE8-DC107035C265}"/>
+                    <a16:creationId xmlns:a16="http://schemas.microsoft.com/office/drawing/2014/main" xmlns="" id="{4E99E669-73EB-F9F4-EFE8-DC107035C265}"/>
                   </a:ext>
                 </a:extLst>
               </p:cNvPr>
@@ -8274,7 +8274,7 @@
           <p:cNvPr id="15" name="그룹 1008">
             <a:extLst>
               <a:ext uri="{FF2B5EF4-FFF2-40B4-BE49-F238E27FC236}">
-                <a16:creationId xmlns="" xmlns:a16="http://schemas.microsoft.com/office/drawing/2014/main" id="{678F6342-C505-E8AD-ADA4-022CB2C2088E}"/>
+                <a16:creationId xmlns:a16="http://schemas.microsoft.com/office/drawing/2014/main" xmlns="" id="{678F6342-C505-E8AD-ADA4-022CB2C2088E}"/>
               </a:ext>
             </a:extLst>
           </p:cNvPr>
@@ -8294,7 +8294,7 @@
             <p:cNvPr id="16" name="그룹 1009">
               <a:extLst>
                 <a:ext uri="{FF2B5EF4-FFF2-40B4-BE49-F238E27FC236}">
-                  <a16:creationId xmlns="" xmlns:a16="http://schemas.microsoft.com/office/drawing/2014/main" id="{4E1F1FED-812B-9BBB-925A-84B54A077414}"/>
+                  <a16:creationId xmlns:a16="http://schemas.microsoft.com/office/drawing/2014/main" xmlns="" id="{4E1F1FED-812B-9BBB-925A-84B54A077414}"/>
                 </a:ext>
               </a:extLst>
             </p:cNvPr>
@@ -8314,7 +8314,7 @@
               <p:cNvPr id="21" name="Object 29">
                 <a:extLst>
                   <a:ext uri="{FF2B5EF4-FFF2-40B4-BE49-F238E27FC236}">
-                    <a16:creationId xmlns="" xmlns:a16="http://schemas.microsoft.com/office/drawing/2014/main" id="{7B078609-4286-7B00-51EB-809C8E2DE289}"/>
+                    <a16:creationId xmlns:a16="http://schemas.microsoft.com/office/drawing/2014/main" xmlns="" id="{7B078609-4286-7B00-51EB-809C8E2DE289}"/>
                   </a:ext>
                 </a:extLst>
               </p:cNvPr>
@@ -8345,7 +8345,7 @@
             <p:cNvPr id="17" name="그룹 1010">
               <a:extLst>
                 <a:ext uri="{FF2B5EF4-FFF2-40B4-BE49-F238E27FC236}">
-                  <a16:creationId xmlns="" xmlns:a16="http://schemas.microsoft.com/office/drawing/2014/main" id="{02A649BF-B5B5-FBAF-7DFD-E118A4DF8907}"/>
+                  <a16:creationId xmlns:a16="http://schemas.microsoft.com/office/drawing/2014/main" xmlns="" id="{02A649BF-B5B5-FBAF-7DFD-E118A4DF8907}"/>
                 </a:ext>
               </a:extLst>
             </p:cNvPr>
@@ -8365,7 +8365,7 @@
               <p:cNvPr id="20" name="Object 32">
                 <a:extLst>
                   <a:ext uri="{FF2B5EF4-FFF2-40B4-BE49-F238E27FC236}">
-                    <a16:creationId xmlns="" xmlns:a16="http://schemas.microsoft.com/office/drawing/2014/main" id="{2A0FFF23-B3C9-3EA0-1C1B-A87D4FF098AE}"/>
+                    <a16:creationId xmlns:a16="http://schemas.microsoft.com/office/drawing/2014/main" xmlns="" id="{2A0FFF23-B3C9-3EA0-1C1B-A87D4FF098AE}"/>
                   </a:ext>
                 </a:extLst>
               </p:cNvPr>
@@ -8396,7 +8396,7 @@
             <p:cNvPr id="18" name="그룹 1011">
               <a:extLst>
                 <a:ext uri="{FF2B5EF4-FFF2-40B4-BE49-F238E27FC236}">
-                  <a16:creationId xmlns="" xmlns:a16="http://schemas.microsoft.com/office/drawing/2014/main" id="{881F5410-F7FB-F261-A584-707359BAC593}"/>
+                  <a16:creationId xmlns:a16="http://schemas.microsoft.com/office/drawing/2014/main" xmlns="" id="{881F5410-F7FB-F261-A584-707359BAC593}"/>
                 </a:ext>
               </a:extLst>
             </p:cNvPr>
@@ -8416,7 +8416,7 @@
               <p:cNvPr id="19" name="Object 35">
                 <a:extLst>
                   <a:ext uri="{FF2B5EF4-FFF2-40B4-BE49-F238E27FC236}">
-                    <a16:creationId xmlns="" xmlns:a16="http://schemas.microsoft.com/office/drawing/2014/main" id="{4E99E669-73EB-F9F4-EFE8-DC107035C265}"/>
+                    <a16:creationId xmlns:a16="http://schemas.microsoft.com/office/drawing/2014/main" xmlns="" id="{4E99E669-73EB-F9F4-EFE8-DC107035C265}"/>
                   </a:ext>
                 </a:extLst>
               </p:cNvPr>
@@ -8496,7 +8496,7 @@
           <p:cNvPr id="25" name="그룹 1008">
             <a:extLst>
               <a:ext uri="{FF2B5EF4-FFF2-40B4-BE49-F238E27FC236}">
-                <a16:creationId xmlns="" xmlns:a16="http://schemas.microsoft.com/office/drawing/2014/main" id="{678F6342-C505-E8AD-ADA4-022CB2C2088E}"/>
+                <a16:creationId xmlns:a16="http://schemas.microsoft.com/office/drawing/2014/main" xmlns="" id="{678F6342-C505-E8AD-ADA4-022CB2C2088E}"/>
               </a:ext>
             </a:extLst>
           </p:cNvPr>
@@ -8516,7 +8516,7 @@
             <p:cNvPr id="26" name="그룹 1009">
               <a:extLst>
                 <a:ext uri="{FF2B5EF4-FFF2-40B4-BE49-F238E27FC236}">
-                  <a16:creationId xmlns="" xmlns:a16="http://schemas.microsoft.com/office/drawing/2014/main" id="{4E1F1FED-812B-9BBB-925A-84B54A077414}"/>
+                  <a16:creationId xmlns:a16="http://schemas.microsoft.com/office/drawing/2014/main" xmlns="" id="{4E1F1FED-812B-9BBB-925A-84B54A077414}"/>
                 </a:ext>
               </a:extLst>
             </p:cNvPr>
@@ -8536,7 +8536,7 @@
               <p:cNvPr id="31" name="Object 29">
                 <a:extLst>
                   <a:ext uri="{FF2B5EF4-FFF2-40B4-BE49-F238E27FC236}">
-                    <a16:creationId xmlns="" xmlns:a16="http://schemas.microsoft.com/office/drawing/2014/main" id="{7B078609-4286-7B00-51EB-809C8E2DE289}"/>
+                    <a16:creationId xmlns:a16="http://schemas.microsoft.com/office/drawing/2014/main" xmlns="" id="{7B078609-4286-7B00-51EB-809C8E2DE289}"/>
                   </a:ext>
                 </a:extLst>
               </p:cNvPr>
@@ -8567,7 +8567,7 @@
             <p:cNvPr id="27" name="그룹 1010">
               <a:extLst>
                 <a:ext uri="{FF2B5EF4-FFF2-40B4-BE49-F238E27FC236}">
-                  <a16:creationId xmlns="" xmlns:a16="http://schemas.microsoft.com/office/drawing/2014/main" id="{02A649BF-B5B5-FBAF-7DFD-E118A4DF8907}"/>
+                  <a16:creationId xmlns:a16="http://schemas.microsoft.com/office/drawing/2014/main" xmlns="" id="{02A649BF-B5B5-FBAF-7DFD-E118A4DF8907}"/>
                 </a:ext>
               </a:extLst>
             </p:cNvPr>
@@ -8587,7 +8587,7 @@
               <p:cNvPr id="30" name="Object 32">
                 <a:extLst>
                   <a:ext uri="{FF2B5EF4-FFF2-40B4-BE49-F238E27FC236}">
-                    <a16:creationId xmlns="" xmlns:a16="http://schemas.microsoft.com/office/drawing/2014/main" id="{2A0FFF23-B3C9-3EA0-1C1B-A87D4FF098AE}"/>
+                    <a16:creationId xmlns:a16="http://schemas.microsoft.com/office/drawing/2014/main" xmlns="" id="{2A0FFF23-B3C9-3EA0-1C1B-A87D4FF098AE}"/>
                   </a:ext>
                 </a:extLst>
               </p:cNvPr>
@@ -8618,7 +8618,7 @@
             <p:cNvPr id="28" name="그룹 1011">
               <a:extLst>
                 <a:ext uri="{FF2B5EF4-FFF2-40B4-BE49-F238E27FC236}">
-                  <a16:creationId xmlns="" xmlns:a16="http://schemas.microsoft.com/office/drawing/2014/main" id="{881F5410-F7FB-F261-A584-707359BAC593}"/>
+                  <a16:creationId xmlns:a16="http://schemas.microsoft.com/office/drawing/2014/main" xmlns="" id="{881F5410-F7FB-F261-A584-707359BAC593}"/>
                 </a:ext>
               </a:extLst>
             </p:cNvPr>
@@ -8638,7 +8638,7 @@
               <p:cNvPr id="29" name="Object 35">
                 <a:extLst>
                   <a:ext uri="{FF2B5EF4-FFF2-40B4-BE49-F238E27FC236}">
-                    <a16:creationId xmlns="" xmlns:a16="http://schemas.microsoft.com/office/drawing/2014/main" id="{4E99E669-73EB-F9F4-EFE8-DC107035C265}"/>
+                    <a16:creationId xmlns:a16="http://schemas.microsoft.com/office/drawing/2014/main" xmlns="" id="{4E99E669-73EB-F9F4-EFE8-DC107035C265}"/>
                   </a:ext>
                 </a:extLst>
               </p:cNvPr>
@@ -8718,7 +8718,7 @@
           <p:cNvPr id="34" name="그룹 1008">
             <a:extLst>
               <a:ext uri="{FF2B5EF4-FFF2-40B4-BE49-F238E27FC236}">
-                <a16:creationId xmlns="" xmlns:a16="http://schemas.microsoft.com/office/drawing/2014/main" id="{678F6342-C505-E8AD-ADA4-022CB2C2088E}"/>
+                <a16:creationId xmlns:a16="http://schemas.microsoft.com/office/drawing/2014/main" xmlns="" id="{678F6342-C505-E8AD-ADA4-022CB2C2088E}"/>
               </a:ext>
             </a:extLst>
           </p:cNvPr>
@@ -8738,7 +8738,7 @@
             <p:cNvPr id="35" name="그룹 1009">
               <a:extLst>
                 <a:ext uri="{FF2B5EF4-FFF2-40B4-BE49-F238E27FC236}">
-                  <a16:creationId xmlns="" xmlns:a16="http://schemas.microsoft.com/office/drawing/2014/main" id="{4E1F1FED-812B-9BBB-925A-84B54A077414}"/>
+                  <a16:creationId xmlns:a16="http://schemas.microsoft.com/office/drawing/2014/main" xmlns="" id="{4E1F1FED-812B-9BBB-925A-84B54A077414}"/>
                 </a:ext>
               </a:extLst>
             </p:cNvPr>
@@ -8758,7 +8758,7 @@
               <p:cNvPr id="40" name="Object 29">
                 <a:extLst>
                   <a:ext uri="{FF2B5EF4-FFF2-40B4-BE49-F238E27FC236}">
-                    <a16:creationId xmlns="" xmlns:a16="http://schemas.microsoft.com/office/drawing/2014/main" id="{7B078609-4286-7B00-51EB-809C8E2DE289}"/>
+                    <a16:creationId xmlns:a16="http://schemas.microsoft.com/office/drawing/2014/main" xmlns="" id="{7B078609-4286-7B00-51EB-809C8E2DE289}"/>
                   </a:ext>
                 </a:extLst>
               </p:cNvPr>
@@ -8789,7 +8789,7 @@
             <p:cNvPr id="36" name="그룹 1010">
               <a:extLst>
                 <a:ext uri="{FF2B5EF4-FFF2-40B4-BE49-F238E27FC236}">
-                  <a16:creationId xmlns="" xmlns:a16="http://schemas.microsoft.com/office/drawing/2014/main" id="{02A649BF-B5B5-FBAF-7DFD-E118A4DF8907}"/>
+                  <a16:creationId xmlns:a16="http://schemas.microsoft.com/office/drawing/2014/main" xmlns="" id="{02A649BF-B5B5-FBAF-7DFD-E118A4DF8907}"/>
                 </a:ext>
               </a:extLst>
             </p:cNvPr>
@@ -8809,7 +8809,7 @@
               <p:cNvPr id="39" name="Object 32">
                 <a:extLst>
                   <a:ext uri="{FF2B5EF4-FFF2-40B4-BE49-F238E27FC236}">
-                    <a16:creationId xmlns="" xmlns:a16="http://schemas.microsoft.com/office/drawing/2014/main" id="{2A0FFF23-B3C9-3EA0-1C1B-A87D4FF098AE}"/>
+                    <a16:creationId xmlns:a16="http://schemas.microsoft.com/office/drawing/2014/main" xmlns="" id="{2A0FFF23-B3C9-3EA0-1C1B-A87D4FF098AE}"/>
                   </a:ext>
                 </a:extLst>
               </p:cNvPr>
@@ -8840,7 +8840,7 @@
             <p:cNvPr id="37" name="그룹 1011">
               <a:extLst>
                 <a:ext uri="{FF2B5EF4-FFF2-40B4-BE49-F238E27FC236}">
-                  <a16:creationId xmlns="" xmlns:a16="http://schemas.microsoft.com/office/drawing/2014/main" id="{881F5410-F7FB-F261-A584-707359BAC593}"/>
+                  <a16:creationId xmlns:a16="http://schemas.microsoft.com/office/drawing/2014/main" xmlns="" id="{881F5410-F7FB-F261-A584-707359BAC593}"/>
                 </a:ext>
               </a:extLst>
             </p:cNvPr>
@@ -8860,7 +8860,7 @@
               <p:cNvPr id="38" name="Object 35">
                 <a:extLst>
                   <a:ext uri="{FF2B5EF4-FFF2-40B4-BE49-F238E27FC236}">
-                    <a16:creationId xmlns="" xmlns:a16="http://schemas.microsoft.com/office/drawing/2014/main" id="{4E99E669-73EB-F9F4-EFE8-DC107035C265}"/>
+                    <a16:creationId xmlns:a16="http://schemas.microsoft.com/office/drawing/2014/main" xmlns="" id="{4E99E669-73EB-F9F4-EFE8-DC107035C265}"/>
                   </a:ext>
                 </a:extLst>
               </p:cNvPr>
@@ -8916,7 +8916,7 @@
           <p:cNvPr id="42" name="TextBox 41">
             <a:extLst>
               <a:ext uri="{FF2B5EF4-FFF2-40B4-BE49-F238E27FC236}">
-                <a16:creationId xmlns="" xmlns:a16="http://schemas.microsoft.com/office/drawing/2014/main" id="{C6D113C6-EA5C-788F-0C77-E7CE6EBB865F}"/>
+                <a16:creationId xmlns:a16="http://schemas.microsoft.com/office/drawing/2014/main" xmlns="" id="{C6D113C6-EA5C-788F-0C77-E7CE6EBB865F}"/>
               </a:ext>
             </a:extLst>
           </p:cNvPr>
@@ -9042,7 +9042,7 @@
           <p:cNvPr id="44" name="그룹 1008">
             <a:extLst>
               <a:ext uri="{FF2B5EF4-FFF2-40B4-BE49-F238E27FC236}">
-                <a16:creationId xmlns="" xmlns:a16="http://schemas.microsoft.com/office/drawing/2014/main" id="{678F6342-C505-E8AD-ADA4-022CB2C2088E}"/>
+                <a16:creationId xmlns:a16="http://schemas.microsoft.com/office/drawing/2014/main" xmlns="" id="{678F6342-C505-E8AD-ADA4-022CB2C2088E}"/>
               </a:ext>
             </a:extLst>
           </p:cNvPr>
@@ -9062,7 +9062,7 @@
             <p:cNvPr id="45" name="그룹 1009">
               <a:extLst>
                 <a:ext uri="{FF2B5EF4-FFF2-40B4-BE49-F238E27FC236}">
-                  <a16:creationId xmlns="" xmlns:a16="http://schemas.microsoft.com/office/drawing/2014/main" id="{4E1F1FED-812B-9BBB-925A-84B54A077414}"/>
+                  <a16:creationId xmlns:a16="http://schemas.microsoft.com/office/drawing/2014/main" xmlns="" id="{4E1F1FED-812B-9BBB-925A-84B54A077414}"/>
                 </a:ext>
               </a:extLst>
             </p:cNvPr>
@@ -9082,7 +9082,7 @@
               <p:cNvPr id="50" name="Object 29">
                 <a:extLst>
                   <a:ext uri="{FF2B5EF4-FFF2-40B4-BE49-F238E27FC236}">
-                    <a16:creationId xmlns="" xmlns:a16="http://schemas.microsoft.com/office/drawing/2014/main" id="{7B078609-4286-7B00-51EB-809C8E2DE289}"/>
+                    <a16:creationId xmlns:a16="http://schemas.microsoft.com/office/drawing/2014/main" xmlns="" id="{7B078609-4286-7B00-51EB-809C8E2DE289}"/>
                   </a:ext>
                 </a:extLst>
               </p:cNvPr>
@@ -9113,7 +9113,7 @@
             <p:cNvPr id="46" name="그룹 1010">
               <a:extLst>
                 <a:ext uri="{FF2B5EF4-FFF2-40B4-BE49-F238E27FC236}">
-                  <a16:creationId xmlns="" xmlns:a16="http://schemas.microsoft.com/office/drawing/2014/main" id="{02A649BF-B5B5-FBAF-7DFD-E118A4DF8907}"/>
+                  <a16:creationId xmlns:a16="http://schemas.microsoft.com/office/drawing/2014/main" xmlns="" id="{02A649BF-B5B5-FBAF-7DFD-E118A4DF8907}"/>
                 </a:ext>
               </a:extLst>
             </p:cNvPr>
@@ -9133,7 +9133,7 @@
               <p:cNvPr id="49" name="Object 32">
                 <a:extLst>
                   <a:ext uri="{FF2B5EF4-FFF2-40B4-BE49-F238E27FC236}">
-                    <a16:creationId xmlns="" xmlns:a16="http://schemas.microsoft.com/office/drawing/2014/main" id="{2A0FFF23-B3C9-3EA0-1C1B-A87D4FF098AE}"/>
+                    <a16:creationId xmlns:a16="http://schemas.microsoft.com/office/drawing/2014/main" xmlns="" id="{2A0FFF23-B3C9-3EA0-1C1B-A87D4FF098AE}"/>
                   </a:ext>
                 </a:extLst>
               </p:cNvPr>
@@ -9164,7 +9164,7 @@
             <p:cNvPr id="47" name="그룹 1011">
               <a:extLst>
                 <a:ext uri="{FF2B5EF4-FFF2-40B4-BE49-F238E27FC236}">
-                  <a16:creationId xmlns="" xmlns:a16="http://schemas.microsoft.com/office/drawing/2014/main" id="{881F5410-F7FB-F261-A584-707359BAC593}"/>
+                  <a16:creationId xmlns:a16="http://schemas.microsoft.com/office/drawing/2014/main" xmlns="" id="{881F5410-F7FB-F261-A584-707359BAC593}"/>
                 </a:ext>
               </a:extLst>
             </p:cNvPr>
@@ -9184,7 +9184,7 @@
               <p:cNvPr id="48" name="Object 35">
                 <a:extLst>
                   <a:ext uri="{FF2B5EF4-FFF2-40B4-BE49-F238E27FC236}">
-                    <a16:creationId xmlns="" xmlns:a16="http://schemas.microsoft.com/office/drawing/2014/main" id="{4E99E669-73EB-F9F4-EFE8-DC107035C265}"/>
+                    <a16:creationId xmlns:a16="http://schemas.microsoft.com/office/drawing/2014/main" xmlns="" id="{4E99E669-73EB-F9F4-EFE8-DC107035C265}"/>
                   </a:ext>
                 </a:extLst>
               </p:cNvPr>
@@ -9645,7 +9645,7 @@
           <p:cNvPr id="5" name="TextBox 4">
             <a:extLst>
               <a:ext uri="{FF2B5EF4-FFF2-40B4-BE49-F238E27FC236}">
-                <a16:creationId xmlns:a16="http://schemas.microsoft.com/office/drawing/2014/main" xmlns="" id="{5ADC00B6-990A-40DC-3CEA-505258F5E8DA}"/>
+                <a16:creationId xmlns="" xmlns:a16="http://schemas.microsoft.com/office/drawing/2014/main" id="{5ADC00B6-990A-40DC-3CEA-505258F5E8DA}"/>
               </a:ext>
             </a:extLst>
           </p:cNvPr>
@@ -9717,7 +9717,7 @@
           <p:cNvPr id="7" name="TextBox 6">
             <a:extLst>
               <a:ext uri="{FF2B5EF4-FFF2-40B4-BE49-F238E27FC236}">
-                <a16:creationId xmlns="" xmlns:a16="http://schemas.microsoft.com/office/drawing/2014/main" id="{4EDAA912-8FA0-0F11-119B-EA9F8B36A489}"/>
+                <a16:creationId xmlns:a16="http://schemas.microsoft.com/office/drawing/2014/main" xmlns="" id="{4EDAA912-8FA0-0F11-119B-EA9F8B36A489}"/>
               </a:ext>
             </a:extLst>
           </p:cNvPr>
@@ -9934,7 +9934,7 @@
           <p:cNvPr id="4" name="TextBox 3">
             <a:extLst>
               <a:ext uri="{FF2B5EF4-FFF2-40B4-BE49-F238E27FC236}">
-                <a16:creationId xmlns:a16="http://schemas.microsoft.com/office/drawing/2014/main" xmlns="" id="{5ADC00B6-990A-40DC-3CEA-505258F5E8DA}"/>
+                <a16:creationId xmlns="" xmlns:a16="http://schemas.microsoft.com/office/drawing/2014/main" id="{5ADC00B6-990A-40DC-3CEA-505258F5E8DA}"/>
               </a:ext>
             </a:extLst>
           </p:cNvPr>
@@ -10006,7 +10006,7 @@
           <p:cNvPr id="6" name="그룹 1008">
             <a:extLst>
               <a:ext uri="{FF2B5EF4-FFF2-40B4-BE49-F238E27FC236}">
-                <a16:creationId xmlns="" xmlns:a16="http://schemas.microsoft.com/office/drawing/2014/main" id="{678F6342-C505-E8AD-ADA4-022CB2C2088E}"/>
+                <a16:creationId xmlns:a16="http://schemas.microsoft.com/office/drawing/2014/main" xmlns="" id="{678F6342-C505-E8AD-ADA4-022CB2C2088E}"/>
               </a:ext>
             </a:extLst>
           </p:cNvPr>
@@ -10026,7 +10026,7 @@
             <p:cNvPr id="7" name="그룹 1009">
               <a:extLst>
                 <a:ext uri="{FF2B5EF4-FFF2-40B4-BE49-F238E27FC236}">
-                  <a16:creationId xmlns="" xmlns:a16="http://schemas.microsoft.com/office/drawing/2014/main" id="{4E1F1FED-812B-9BBB-925A-84B54A077414}"/>
+                  <a16:creationId xmlns:a16="http://schemas.microsoft.com/office/drawing/2014/main" xmlns="" id="{4E1F1FED-812B-9BBB-925A-84B54A077414}"/>
                 </a:ext>
               </a:extLst>
             </p:cNvPr>
@@ -10046,7 +10046,7 @@
               <p:cNvPr id="12" name="Object 29">
                 <a:extLst>
                   <a:ext uri="{FF2B5EF4-FFF2-40B4-BE49-F238E27FC236}">
-                    <a16:creationId xmlns="" xmlns:a16="http://schemas.microsoft.com/office/drawing/2014/main" id="{7B078609-4286-7B00-51EB-809C8E2DE289}"/>
+                    <a16:creationId xmlns:a16="http://schemas.microsoft.com/office/drawing/2014/main" xmlns="" id="{7B078609-4286-7B00-51EB-809C8E2DE289}"/>
                   </a:ext>
                 </a:extLst>
               </p:cNvPr>
@@ -10077,7 +10077,7 @@
             <p:cNvPr id="8" name="그룹 1010">
               <a:extLst>
                 <a:ext uri="{FF2B5EF4-FFF2-40B4-BE49-F238E27FC236}">
-                  <a16:creationId xmlns="" xmlns:a16="http://schemas.microsoft.com/office/drawing/2014/main" id="{02A649BF-B5B5-FBAF-7DFD-E118A4DF8907}"/>
+                  <a16:creationId xmlns:a16="http://schemas.microsoft.com/office/drawing/2014/main" xmlns="" id="{02A649BF-B5B5-FBAF-7DFD-E118A4DF8907}"/>
                 </a:ext>
               </a:extLst>
             </p:cNvPr>
@@ -10097,7 +10097,7 @@
               <p:cNvPr id="11" name="Object 32">
                 <a:extLst>
                   <a:ext uri="{FF2B5EF4-FFF2-40B4-BE49-F238E27FC236}">
-                    <a16:creationId xmlns="" xmlns:a16="http://schemas.microsoft.com/office/drawing/2014/main" id="{2A0FFF23-B3C9-3EA0-1C1B-A87D4FF098AE}"/>
+                    <a16:creationId xmlns:a16="http://schemas.microsoft.com/office/drawing/2014/main" xmlns="" id="{2A0FFF23-B3C9-3EA0-1C1B-A87D4FF098AE}"/>
                   </a:ext>
                 </a:extLst>
               </p:cNvPr>
@@ -10128,7 +10128,7 @@
             <p:cNvPr id="9" name="그룹 1011">
               <a:extLst>
                 <a:ext uri="{FF2B5EF4-FFF2-40B4-BE49-F238E27FC236}">
-                  <a16:creationId xmlns="" xmlns:a16="http://schemas.microsoft.com/office/drawing/2014/main" id="{881F5410-F7FB-F261-A584-707359BAC593}"/>
+                  <a16:creationId xmlns:a16="http://schemas.microsoft.com/office/drawing/2014/main" xmlns="" id="{881F5410-F7FB-F261-A584-707359BAC593}"/>
                 </a:ext>
               </a:extLst>
             </p:cNvPr>
@@ -10148,7 +10148,7 @@
               <p:cNvPr id="10" name="Object 35">
                 <a:extLst>
                   <a:ext uri="{FF2B5EF4-FFF2-40B4-BE49-F238E27FC236}">
-                    <a16:creationId xmlns="" xmlns:a16="http://schemas.microsoft.com/office/drawing/2014/main" id="{4E99E669-73EB-F9F4-EFE8-DC107035C265}"/>
+                    <a16:creationId xmlns:a16="http://schemas.microsoft.com/office/drawing/2014/main" xmlns="" id="{4E99E669-73EB-F9F4-EFE8-DC107035C265}"/>
                   </a:ext>
                 </a:extLst>
               </p:cNvPr>
@@ -10204,7 +10204,7 @@
           <p:cNvPr id="15" name="TextBox 14">
             <a:extLst>
               <a:ext uri="{FF2B5EF4-FFF2-40B4-BE49-F238E27FC236}">
-                <a16:creationId xmlns="" xmlns:a16="http://schemas.microsoft.com/office/drawing/2014/main" id="{C6D113C6-EA5C-788F-0C77-E7CE6EBB865F}"/>
+                <a16:creationId xmlns:a16="http://schemas.microsoft.com/office/drawing/2014/main" xmlns="" id="{C6D113C6-EA5C-788F-0C77-E7CE6EBB865F}"/>
               </a:ext>
             </a:extLst>
           </p:cNvPr>
@@ -10286,7 +10286,7 @@
           <p:cNvPr id="24" name="TextBox 23">
             <a:extLst>
               <a:ext uri="{FF2B5EF4-FFF2-40B4-BE49-F238E27FC236}">
-                <a16:creationId xmlns="" xmlns:a16="http://schemas.microsoft.com/office/drawing/2014/main" id="{C6D113C6-EA5C-788F-0C77-E7CE6EBB865F}"/>
+                <a16:creationId xmlns:a16="http://schemas.microsoft.com/office/drawing/2014/main" xmlns="" id="{C6D113C6-EA5C-788F-0C77-E7CE6EBB865F}"/>
               </a:ext>
             </a:extLst>
           </p:cNvPr>
@@ -10368,7 +10368,7 @@
           <p:cNvPr id="26" name="TextBox 25">
             <a:extLst>
               <a:ext uri="{FF2B5EF4-FFF2-40B4-BE49-F238E27FC236}">
-                <a16:creationId xmlns="" xmlns:a16="http://schemas.microsoft.com/office/drawing/2014/main" id="{C6D113C6-EA5C-788F-0C77-E7CE6EBB865F}"/>
+                <a16:creationId xmlns:a16="http://schemas.microsoft.com/office/drawing/2014/main" xmlns="" id="{C6D113C6-EA5C-788F-0C77-E7CE6EBB865F}"/>
               </a:ext>
             </a:extLst>
           </p:cNvPr>
@@ -10754,7 +10754,7 @@
           <p:cNvPr id="4" name="TextBox 3">
             <a:extLst>
               <a:ext uri="{FF2B5EF4-FFF2-40B4-BE49-F238E27FC236}">
-                <a16:creationId xmlns:a16="http://schemas.microsoft.com/office/drawing/2014/main" xmlns="" id="{5ADC00B6-990A-40DC-3CEA-505258F5E8DA}"/>
+                <a16:creationId xmlns="" xmlns:a16="http://schemas.microsoft.com/office/drawing/2014/main" id="{5ADC00B6-990A-40DC-3CEA-505258F5E8DA}"/>
               </a:ext>
             </a:extLst>
           </p:cNvPr>
@@ -10846,7 +10846,7 @@
           <p:cNvPr id="6" name="직사각형 5">
             <a:extLst>
               <a:ext uri="{FF2B5EF4-FFF2-40B4-BE49-F238E27FC236}">
-                <a16:creationId xmlns="" xmlns:a16="http://schemas.microsoft.com/office/drawing/2014/main" id="{FFF506F9-840A-0508-4CAF-3AC711D8D5CE}"/>
+                <a16:creationId xmlns:a16="http://schemas.microsoft.com/office/drawing/2014/main" xmlns="" id="{FFF506F9-840A-0508-4CAF-3AC711D8D5CE}"/>
               </a:ext>
             </a:extLst>
           </p:cNvPr>
@@ -10898,7 +10898,7 @@
           <p:cNvPr id="7" name="직사각형 6">
             <a:extLst>
               <a:ext uri="{FF2B5EF4-FFF2-40B4-BE49-F238E27FC236}">
-                <a16:creationId xmlns="" xmlns:a16="http://schemas.microsoft.com/office/drawing/2014/main" id="{FFF506F9-840A-0508-4CAF-3AC711D8D5CE}"/>
+                <a16:creationId xmlns:a16="http://schemas.microsoft.com/office/drawing/2014/main" xmlns="" id="{FFF506F9-840A-0508-4CAF-3AC711D8D5CE}"/>
               </a:ext>
             </a:extLst>
           </p:cNvPr>
@@ -10950,7 +10950,7 @@
           <p:cNvPr id="8" name="직사각형 7">
             <a:extLst>
               <a:ext uri="{FF2B5EF4-FFF2-40B4-BE49-F238E27FC236}">
-                <a16:creationId xmlns="" xmlns:a16="http://schemas.microsoft.com/office/drawing/2014/main" id="{FFF506F9-840A-0508-4CAF-3AC711D8D5CE}"/>
+                <a16:creationId xmlns:a16="http://schemas.microsoft.com/office/drawing/2014/main" xmlns="" id="{FFF506F9-840A-0508-4CAF-3AC711D8D5CE}"/>
               </a:ext>
             </a:extLst>
           </p:cNvPr>
@@ -11039,7 +11039,7 @@
           <p:cNvPr id="4" name="TextBox 3">
             <a:extLst>
               <a:ext uri="{FF2B5EF4-FFF2-40B4-BE49-F238E27FC236}">
-                <a16:creationId xmlns:a16="http://schemas.microsoft.com/office/drawing/2014/main" xmlns="" id="{5ADC00B6-990A-40DC-3CEA-505258F5E8DA}"/>
+                <a16:creationId xmlns="" xmlns:a16="http://schemas.microsoft.com/office/drawing/2014/main" id="{5ADC00B6-990A-40DC-3CEA-505258F5E8DA}"/>
               </a:ext>
             </a:extLst>
           </p:cNvPr>
@@ -11087,7 +11087,7 @@
           <p:cNvPr id="5" name="TextBox 4">
             <a:extLst>
               <a:ext uri="{FF2B5EF4-FFF2-40B4-BE49-F238E27FC236}">
-                <a16:creationId xmlns="" xmlns:a16="http://schemas.microsoft.com/office/drawing/2014/main" id="{4EDAA912-8FA0-0F11-119B-EA9F8B36A489}"/>
+                <a16:creationId xmlns:a16="http://schemas.microsoft.com/office/drawing/2014/main" xmlns="" id="{4EDAA912-8FA0-0F11-119B-EA9F8B36A489}"/>
               </a:ext>
             </a:extLst>
           </p:cNvPr>
@@ -11367,7 +11367,7 @@
           <p:cNvPr id="4" name="TextBox 3">
             <a:extLst>
               <a:ext uri="{FF2B5EF4-FFF2-40B4-BE49-F238E27FC236}">
-                <a16:creationId xmlns:a16="http://schemas.microsoft.com/office/drawing/2014/main" xmlns="" id="{5ADC00B6-990A-40DC-3CEA-505258F5E8DA}"/>
+                <a16:creationId xmlns="" xmlns:a16="http://schemas.microsoft.com/office/drawing/2014/main" id="{5ADC00B6-990A-40DC-3CEA-505258F5E8DA}"/>
               </a:ext>
             </a:extLst>
           </p:cNvPr>
@@ -11429,7 +11429,7 @@
           <p:cNvPr id="6" name="TextBox 5">
             <a:extLst>
               <a:ext uri="{FF2B5EF4-FFF2-40B4-BE49-F238E27FC236}">
-                <a16:creationId xmlns:a16="http://schemas.microsoft.com/office/drawing/2014/main" xmlns="" id="{5ADC00B6-990A-40DC-3CEA-505258F5E8DA}"/>
+                <a16:creationId xmlns="" xmlns:a16="http://schemas.microsoft.com/office/drawing/2014/main" id="{5ADC00B6-990A-40DC-3CEA-505258F5E8DA}"/>
               </a:ext>
             </a:extLst>
           </p:cNvPr>
@@ -11524,7 +11524,7 @@
           <p:cNvPr id="4" name="TextBox 3">
             <a:extLst>
               <a:ext uri="{FF2B5EF4-FFF2-40B4-BE49-F238E27FC236}">
-                <a16:creationId xmlns:a16="http://schemas.microsoft.com/office/drawing/2014/main" xmlns="" id="{5ADC00B6-990A-40DC-3CEA-505258F5E8DA}"/>
+                <a16:creationId xmlns="" xmlns:a16="http://schemas.microsoft.com/office/drawing/2014/main" id="{5ADC00B6-990A-40DC-3CEA-505258F5E8DA}"/>
               </a:ext>
             </a:extLst>
           </p:cNvPr>
@@ -11596,7 +11596,7 @@
           <p:cNvPr id="6" name="직사각형 5">
             <a:extLst>
               <a:ext uri="{FF2B5EF4-FFF2-40B4-BE49-F238E27FC236}">
-                <a16:creationId xmlns="" xmlns:a16="http://schemas.microsoft.com/office/drawing/2014/main" id="{FFF506F9-840A-0508-4CAF-3AC711D8D5CE}"/>
+                <a16:creationId xmlns:a16="http://schemas.microsoft.com/office/drawing/2014/main" xmlns="" id="{FFF506F9-840A-0508-4CAF-3AC711D8D5CE}"/>
               </a:ext>
             </a:extLst>
           </p:cNvPr>
@@ -11648,7 +11648,7 @@
           <p:cNvPr id="7" name="그룹 1008">
             <a:extLst>
               <a:ext uri="{FF2B5EF4-FFF2-40B4-BE49-F238E27FC236}">
-                <a16:creationId xmlns="" xmlns:a16="http://schemas.microsoft.com/office/drawing/2014/main" id="{678F6342-C505-E8AD-ADA4-022CB2C2088E}"/>
+                <a16:creationId xmlns:a16="http://schemas.microsoft.com/office/drawing/2014/main" xmlns="" id="{678F6342-C505-E8AD-ADA4-022CB2C2088E}"/>
               </a:ext>
             </a:extLst>
           </p:cNvPr>
@@ -11668,7 +11668,7 @@
             <p:cNvPr id="8" name="그룹 1009">
               <a:extLst>
                 <a:ext uri="{FF2B5EF4-FFF2-40B4-BE49-F238E27FC236}">
-                  <a16:creationId xmlns="" xmlns:a16="http://schemas.microsoft.com/office/drawing/2014/main" id="{4E1F1FED-812B-9BBB-925A-84B54A077414}"/>
+                  <a16:creationId xmlns:a16="http://schemas.microsoft.com/office/drawing/2014/main" xmlns="" id="{4E1F1FED-812B-9BBB-925A-84B54A077414}"/>
                 </a:ext>
               </a:extLst>
             </p:cNvPr>
@@ -11688,7 +11688,7 @@
               <p:cNvPr id="13" name="Object 29">
                 <a:extLst>
                   <a:ext uri="{FF2B5EF4-FFF2-40B4-BE49-F238E27FC236}">
-                    <a16:creationId xmlns="" xmlns:a16="http://schemas.microsoft.com/office/drawing/2014/main" id="{7B078609-4286-7B00-51EB-809C8E2DE289}"/>
+                    <a16:creationId xmlns:a16="http://schemas.microsoft.com/office/drawing/2014/main" xmlns="" id="{7B078609-4286-7B00-51EB-809C8E2DE289}"/>
                   </a:ext>
                 </a:extLst>
               </p:cNvPr>
@@ -11719,7 +11719,7 @@
             <p:cNvPr id="9" name="그룹 1010">
               <a:extLst>
                 <a:ext uri="{FF2B5EF4-FFF2-40B4-BE49-F238E27FC236}">
-                  <a16:creationId xmlns="" xmlns:a16="http://schemas.microsoft.com/office/drawing/2014/main" id="{02A649BF-B5B5-FBAF-7DFD-E118A4DF8907}"/>
+                  <a16:creationId xmlns:a16="http://schemas.microsoft.com/office/drawing/2014/main" xmlns="" id="{02A649BF-B5B5-FBAF-7DFD-E118A4DF8907}"/>
                 </a:ext>
               </a:extLst>
             </p:cNvPr>
@@ -11739,7 +11739,7 @@
               <p:cNvPr id="12" name="Object 32">
                 <a:extLst>
                   <a:ext uri="{FF2B5EF4-FFF2-40B4-BE49-F238E27FC236}">
-                    <a16:creationId xmlns="" xmlns:a16="http://schemas.microsoft.com/office/drawing/2014/main" id="{2A0FFF23-B3C9-3EA0-1C1B-A87D4FF098AE}"/>
+                    <a16:creationId xmlns:a16="http://schemas.microsoft.com/office/drawing/2014/main" xmlns="" id="{2A0FFF23-B3C9-3EA0-1C1B-A87D4FF098AE}"/>
                   </a:ext>
                 </a:extLst>
               </p:cNvPr>
@@ -11770,7 +11770,7 @@
             <p:cNvPr id="10" name="그룹 1011">
               <a:extLst>
                 <a:ext uri="{FF2B5EF4-FFF2-40B4-BE49-F238E27FC236}">
-                  <a16:creationId xmlns="" xmlns:a16="http://schemas.microsoft.com/office/drawing/2014/main" id="{881F5410-F7FB-F261-A584-707359BAC593}"/>
+                  <a16:creationId xmlns:a16="http://schemas.microsoft.com/office/drawing/2014/main" xmlns="" id="{881F5410-F7FB-F261-A584-707359BAC593}"/>
                 </a:ext>
               </a:extLst>
             </p:cNvPr>
@@ -11790,7 +11790,7 @@
               <p:cNvPr id="11" name="Object 35">
                 <a:extLst>
                   <a:ext uri="{FF2B5EF4-FFF2-40B4-BE49-F238E27FC236}">
-                    <a16:creationId xmlns="" xmlns:a16="http://schemas.microsoft.com/office/drawing/2014/main" id="{4E99E669-73EB-F9F4-EFE8-DC107035C265}"/>
+                    <a16:creationId xmlns:a16="http://schemas.microsoft.com/office/drawing/2014/main" xmlns="" id="{4E99E669-73EB-F9F4-EFE8-DC107035C265}"/>
                   </a:ext>
                 </a:extLst>
               </p:cNvPr>
@@ -11978,7 +11978,7 @@
           <p:cNvPr id="4" name="TextBox 3">
             <a:extLst>
               <a:ext uri="{FF2B5EF4-FFF2-40B4-BE49-F238E27FC236}">
-                <a16:creationId xmlns:a16="http://schemas.microsoft.com/office/drawing/2014/main" xmlns="" id="{5ADC00B6-990A-40DC-3CEA-505258F5E8DA}"/>
+                <a16:creationId xmlns="" xmlns:a16="http://schemas.microsoft.com/office/drawing/2014/main" id="{5ADC00B6-990A-40DC-3CEA-505258F5E8DA}"/>
               </a:ext>
             </a:extLst>
           </p:cNvPr>
@@ -12080,7 +12080,7 @@
           <p:cNvPr id="6" name="직사각형 5">
             <a:extLst>
               <a:ext uri="{FF2B5EF4-FFF2-40B4-BE49-F238E27FC236}">
-                <a16:creationId xmlns="" xmlns:a16="http://schemas.microsoft.com/office/drawing/2014/main" id="{FFF506F9-840A-0508-4CAF-3AC711D8D5CE}"/>
+                <a16:creationId xmlns:a16="http://schemas.microsoft.com/office/drawing/2014/main" xmlns="" id="{FFF506F9-840A-0508-4CAF-3AC711D8D5CE}"/>
               </a:ext>
             </a:extLst>
           </p:cNvPr>
@@ -12132,7 +12132,7 @@
           <p:cNvPr id="7" name="직사각형 6">
             <a:extLst>
               <a:ext uri="{FF2B5EF4-FFF2-40B4-BE49-F238E27FC236}">
-                <a16:creationId xmlns="" xmlns:a16="http://schemas.microsoft.com/office/drawing/2014/main" id="{FFF506F9-840A-0508-4CAF-3AC711D8D5CE}"/>
+                <a16:creationId xmlns:a16="http://schemas.microsoft.com/office/drawing/2014/main" xmlns="" id="{FFF506F9-840A-0508-4CAF-3AC711D8D5CE}"/>
               </a:ext>
             </a:extLst>
           </p:cNvPr>
@@ -12184,7 +12184,7 @@
           <p:cNvPr id="8" name="직사각형 7">
             <a:extLst>
               <a:ext uri="{FF2B5EF4-FFF2-40B4-BE49-F238E27FC236}">
-                <a16:creationId xmlns="" xmlns:a16="http://schemas.microsoft.com/office/drawing/2014/main" id="{FFF506F9-840A-0508-4CAF-3AC711D8D5CE}"/>
+                <a16:creationId xmlns:a16="http://schemas.microsoft.com/office/drawing/2014/main" xmlns="" id="{FFF506F9-840A-0508-4CAF-3AC711D8D5CE}"/>
               </a:ext>
             </a:extLst>
           </p:cNvPr>
@@ -12297,7 +12297,7 @@
           <p:cNvPr id="5" name="TextBox 4">
             <a:extLst>
               <a:ext uri="{FF2B5EF4-FFF2-40B4-BE49-F238E27FC236}">
-                <a16:creationId xmlns:a16="http://schemas.microsoft.com/office/drawing/2014/main" xmlns="" id="{5ADC00B6-990A-40DC-3CEA-505258F5E8DA}"/>
+                <a16:creationId xmlns="" xmlns:a16="http://schemas.microsoft.com/office/drawing/2014/main" id="{5ADC00B6-990A-40DC-3CEA-505258F5E8DA}"/>
               </a:ext>
             </a:extLst>
           </p:cNvPr>
@@ -12365,7 +12365,7 @@
           <p:cNvPr id="7" name="TextBox 6">
             <a:extLst>
               <a:ext uri="{FF2B5EF4-FFF2-40B4-BE49-F238E27FC236}">
-                <a16:creationId xmlns="" xmlns:a16="http://schemas.microsoft.com/office/drawing/2014/main" id="{4EDAA912-8FA0-0F11-119B-EA9F8B36A489}"/>
+                <a16:creationId xmlns:a16="http://schemas.microsoft.com/office/drawing/2014/main" xmlns="" id="{4EDAA912-8FA0-0F11-119B-EA9F8B36A489}"/>
               </a:ext>
             </a:extLst>
           </p:cNvPr>
@@ -12514,7 +12514,7 @@
           <p:cNvPr id="4" name="TextBox 3">
             <a:extLst>
               <a:ext uri="{FF2B5EF4-FFF2-40B4-BE49-F238E27FC236}">
-                <a16:creationId xmlns:a16="http://schemas.microsoft.com/office/drawing/2014/main" xmlns="" id="{5ADC00B6-990A-40DC-3CEA-505258F5E8DA}"/>
+                <a16:creationId xmlns="" xmlns:a16="http://schemas.microsoft.com/office/drawing/2014/main" id="{5ADC00B6-990A-40DC-3CEA-505258F5E8DA}"/>
               </a:ext>
             </a:extLst>
           </p:cNvPr>
@@ -12562,7 +12562,7 @@
           <p:cNvPr id="5" name="TextBox 4">
             <a:extLst>
               <a:ext uri="{FF2B5EF4-FFF2-40B4-BE49-F238E27FC236}">
-                <a16:creationId xmlns:a16="http://schemas.microsoft.com/office/drawing/2014/main" xmlns="" id="{4EDAA912-8FA0-0F11-119B-EA9F8B36A489}"/>
+                <a16:creationId xmlns="" xmlns:a16="http://schemas.microsoft.com/office/drawing/2014/main" id="{4EDAA912-8FA0-0F11-119B-EA9F8B36A489}"/>
               </a:ext>
             </a:extLst>
           </p:cNvPr>
@@ -12927,7 +12927,7 @@
           <p:cNvPr id="2" name="TextBox 1">
             <a:extLst>
               <a:ext uri="{FF2B5EF4-FFF2-40B4-BE49-F238E27FC236}">
-                <a16:creationId xmlns="" xmlns:a16="http://schemas.microsoft.com/office/drawing/2014/main" id="{8D19D88B-9541-32D7-90F1-0C45C993E21C}"/>
+                <a16:creationId xmlns:a16="http://schemas.microsoft.com/office/drawing/2014/main" xmlns="" id="{8D19D88B-9541-32D7-90F1-0C45C993E21C}"/>
               </a:ext>
             </a:extLst>
           </p:cNvPr>
@@ -13007,7 +13007,7 @@
           <p:cNvPr id="4" name="TextBox 3">
             <a:extLst>
               <a:ext uri="{FF2B5EF4-FFF2-40B4-BE49-F238E27FC236}">
-                <a16:creationId xmlns:a16="http://schemas.microsoft.com/office/drawing/2014/main" xmlns="" id="{5ADC00B6-990A-40DC-3CEA-505258F5E8DA}"/>
+                <a16:creationId xmlns="" xmlns:a16="http://schemas.microsoft.com/office/drawing/2014/main" id="{5ADC00B6-990A-40DC-3CEA-505258F5E8DA}"/>
               </a:ext>
             </a:extLst>
           </p:cNvPr>
@@ -13079,7 +13079,7 @@
           <p:cNvPr id="6" name="직사각형 5">
             <a:extLst>
               <a:ext uri="{FF2B5EF4-FFF2-40B4-BE49-F238E27FC236}">
-                <a16:creationId xmlns="" xmlns:a16="http://schemas.microsoft.com/office/drawing/2014/main" id="{FFF506F9-840A-0508-4CAF-3AC711D8D5CE}"/>
+                <a16:creationId xmlns:a16="http://schemas.microsoft.com/office/drawing/2014/main" xmlns="" id="{FFF506F9-840A-0508-4CAF-3AC711D8D5CE}"/>
               </a:ext>
             </a:extLst>
           </p:cNvPr>
@@ -13155,7 +13155,7 @@
           <p:cNvPr id="8" name="TextBox 7">
             <a:extLst>
               <a:ext uri="{FF2B5EF4-FFF2-40B4-BE49-F238E27FC236}">
-                <a16:creationId xmlns="" xmlns:a16="http://schemas.microsoft.com/office/drawing/2014/main" id="{4EDAA912-8FA0-0F11-119B-EA9F8B36A489}"/>
+                <a16:creationId xmlns:a16="http://schemas.microsoft.com/office/drawing/2014/main" xmlns="" id="{4EDAA912-8FA0-0F11-119B-EA9F8B36A489}"/>
               </a:ext>
             </a:extLst>
           </p:cNvPr>
@@ -13342,7 +13342,7 @@
           <p:cNvPr id="4" name="TextBox 3">
             <a:extLst>
               <a:ext uri="{FF2B5EF4-FFF2-40B4-BE49-F238E27FC236}">
-                <a16:creationId xmlns:a16="http://schemas.microsoft.com/office/drawing/2014/main" xmlns="" id="{5ADC00B6-990A-40DC-3CEA-505258F5E8DA}"/>
+                <a16:creationId xmlns="" xmlns:a16="http://schemas.microsoft.com/office/drawing/2014/main" id="{5ADC00B6-990A-40DC-3CEA-505258F5E8DA}"/>
               </a:ext>
             </a:extLst>
           </p:cNvPr>
@@ -13438,7 +13438,7 @@
           <p:cNvPr id="7" name="TextBox 6">
             <a:extLst>
               <a:ext uri="{FF2B5EF4-FFF2-40B4-BE49-F238E27FC236}">
-                <a16:creationId xmlns:a16="http://schemas.microsoft.com/office/drawing/2014/main" xmlns="" id="{5ADC00B6-990A-40DC-3CEA-505258F5E8DA}"/>
+                <a16:creationId xmlns="" xmlns:a16="http://schemas.microsoft.com/office/drawing/2014/main" id="{5ADC00B6-990A-40DC-3CEA-505258F5E8DA}"/>
               </a:ext>
             </a:extLst>
           </p:cNvPr>
@@ -13531,7 +13531,7 @@
           <p:cNvPr id="4" name="Object 1">
             <a:extLst>
               <a:ext uri="{FF2B5EF4-FFF2-40B4-BE49-F238E27FC236}">
-                <a16:creationId xmlns="" xmlns:a16="http://schemas.microsoft.com/office/drawing/2014/main" id="{B0329035-BE76-33A8-0F2E-44624FCC1DED}"/>
+                <a16:creationId xmlns:a16="http://schemas.microsoft.com/office/drawing/2014/main" xmlns="" id="{B0329035-BE76-33A8-0F2E-44624FCC1DED}"/>
               </a:ext>
             </a:extLst>
           </p:cNvPr>
@@ -13561,7 +13561,7 @@
           <p:cNvPr id="7" name="그룹 1001">
             <a:extLst>
               <a:ext uri="{FF2B5EF4-FFF2-40B4-BE49-F238E27FC236}">
-                <a16:creationId xmlns="" xmlns:a16="http://schemas.microsoft.com/office/drawing/2014/main" id="{CD24CE9D-AC18-B6CD-F397-7E8E03D6FE26}"/>
+                <a16:creationId xmlns:a16="http://schemas.microsoft.com/office/drawing/2014/main" xmlns="" id="{CD24CE9D-AC18-B6CD-F397-7E8E03D6FE26}"/>
               </a:ext>
             </a:extLst>
           </p:cNvPr>
@@ -13581,7 +13581,7 @@
             <p:cNvPr id="8" name="Object 5">
               <a:extLst>
                 <a:ext uri="{FF2B5EF4-FFF2-40B4-BE49-F238E27FC236}">
-                  <a16:creationId xmlns="" xmlns:a16="http://schemas.microsoft.com/office/drawing/2014/main" id="{0EEF25E8-3BA8-EBAA-6DC2-66D70C3F9F4D}"/>
+                  <a16:creationId xmlns:a16="http://schemas.microsoft.com/office/drawing/2014/main" xmlns="" id="{0EEF25E8-3BA8-EBAA-6DC2-66D70C3F9F4D}"/>
                 </a:ext>
               </a:extLst>
             </p:cNvPr>
@@ -13612,7 +13612,7 @@
           <p:cNvPr id="9" name="그룹 1002">
             <a:extLst>
               <a:ext uri="{FF2B5EF4-FFF2-40B4-BE49-F238E27FC236}">
-                <a16:creationId xmlns="" xmlns:a16="http://schemas.microsoft.com/office/drawing/2014/main" id="{0F281BC9-DE1F-D1FE-E64C-C4640398F00C}"/>
+                <a16:creationId xmlns:a16="http://schemas.microsoft.com/office/drawing/2014/main" xmlns="" id="{0F281BC9-DE1F-D1FE-E64C-C4640398F00C}"/>
               </a:ext>
             </a:extLst>
           </p:cNvPr>
@@ -13632,7 +13632,7 @@
             <p:cNvPr id="10" name="Object 8">
               <a:extLst>
                 <a:ext uri="{FF2B5EF4-FFF2-40B4-BE49-F238E27FC236}">
-                  <a16:creationId xmlns="" xmlns:a16="http://schemas.microsoft.com/office/drawing/2014/main" id="{F669DCEF-04BB-7046-3F7F-5B513213556E}"/>
+                  <a16:creationId xmlns:a16="http://schemas.microsoft.com/office/drawing/2014/main" xmlns="" id="{F669DCEF-04BB-7046-3F7F-5B513213556E}"/>
                 </a:ext>
               </a:extLst>
             </p:cNvPr>
@@ -13663,7 +13663,7 @@
           <p:cNvPr id="11" name="그룹 1003">
             <a:extLst>
               <a:ext uri="{FF2B5EF4-FFF2-40B4-BE49-F238E27FC236}">
-                <a16:creationId xmlns="" xmlns:a16="http://schemas.microsoft.com/office/drawing/2014/main" id="{1F91EEF9-13EA-BB7F-B056-D35E7DB989AC}"/>
+                <a16:creationId xmlns:a16="http://schemas.microsoft.com/office/drawing/2014/main" xmlns="" id="{1F91EEF9-13EA-BB7F-B056-D35E7DB989AC}"/>
               </a:ext>
             </a:extLst>
           </p:cNvPr>
@@ -13683,7 +13683,7 @@
             <p:cNvPr id="12" name="Object 11">
               <a:extLst>
                 <a:ext uri="{FF2B5EF4-FFF2-40B4-BE49-F238E27FC236}">
-                  <a16:creationId xmlns="" xmlns:a16="http://schemas.microsoft.com/office/drawing/2014/main" id="{2CFFB217-AEFB-2C9E-5F86-6EE19510FFC6}"/>
+                  <a16:creationId xmlns:a16="http://schemas.microsoft.com/office/drawing/2014/main" xmlns="" id="{2CFFB217-AEFB-2C9E-5F86-6EE19510FFC6}"/>
                 </a:ext>
               </a:extLst>
             </p:cNvPr>
@@ -13714,7 +13714,7 @@
           <p:cNvPr id="13" name="그룹 1004">
             <a:extLst>
               <a:ext uri="{FF2B5EF4-FFF2-40B4-BE49-F238E27FC236}">
-                <a16:creationId xmlns="" xmlns:a16="http://schemas.microsoft.com/office/drawing/2014/main" id="{123B9C7E-94E8-E7E1-81BE-D59EA0299187}"/>
+                <a16:creationId xmlns:a16="http://schemas.microsoft.com/office/drawing/2014/main" xmlns="" id="{123B9C7E-94E8-E7E1-81BE-D59EA0299187}"/>
               </a:ext>
             </a:extLst>
           </p:cNvPr>
@@ -13734,7 +13734,7 @@
             <p:cNvPr id="14" name="Object 14">
               <a:extLst>
                 <a:ext uri="{FF2B5EF4-FFF2-40B4-BE49-F238E27FC236}">
-                  <a16:creationId xmlns="" xmlns:a16="http://schemas.microsoft.com/office/drawing/2014/main" id="{B6291552-2D89-A79F-7ACD-EA0EF9A4C389}"/>
+                  <a16:creationId xmlns:a16="http://schemas.microsoft.com/office/drawing/2014/main" xmlns="" id="{B6291552-2D89-A79F-7ACD-EA0EF9A4C389}"/>
                 </a:ext>
               </a:extLst>
             </p:cNvPr>
@@ -13765,7 +13765,7 @@
           <p:cNvPr id="15" name="TextBox 14">
             <a:extLst>
               <a:ext uri="{FF2B5EF4-FFF2-40B4-BE49-F238E27FC236}">
-                <a16:creationId xmlns="" xmlns:a16="http://schemas.microsoft.com/office/drawing/2014/main" id="{7D99763A-FC24-23F5-5BA9-D7B042E0F323}"/>
+                <a16:creationId xmlns:a16="http://schemas.microsoft.com/office/drawing/2014/main" xmlns="" id="{7D99763A-FC24-23F5-5BA9-D7B042E0F323}"/>
               </a:ext>
             </a:extLst>
           </p:cNvPr>
@@ -13850,7 +13850,7 @@
           <p:cNvPr id="4" name="TextBox 3">
             <a:extLst>
               <a:ext uri="{FF2B5EF4-FFF2-40B4-BE49-F238E27FC236}">
-                <a16:creationId xmlns:a16="http://schemas.microsoft.com/office/drawing/2014/main" xmlns="" id="{5ADC00B6-990A-40DC-3CEA-505258F5E8DA}"/>
+                <a16:creationId xmlns="" xmlns:a16="http://schemas.microsoft.com/office/drawing/2014/main" id="{5ADC00B6-990A-40DC-3CEA-505258F5E8DA}"/>
               </a:ext>
             </a:extLst>
           </p:cNvPr>
@@ -13981,7 +13981,7 @@
           <p:cNvPr id="5" name="Object 2">
             <a:extLst>
               <a:ext uri="{FF2B5EF4-FFF2-40B4-BE49-F238E27FC236}">
-                <a16:creationId xmlns="" xmlns:a16="http://schemas.microsoft.com/office/drawing/2014/main" id="{EB9768FE-76B0-709F-3C4D-0ECBB41147CD}"/>
+                <a16:creationId xmlns:a16="http://schemas.microsoft.com/office/drawing/2014/main" xmlns="" id="{EB9768FE-76B0-709F-3C4D-0ECBB41147CD}"/>
               </a:ext>
             </a:extLst>
           </p:cNvPr>
@@ -14011,7 +14011,7 @@
           <p:cNvPr id="7" name="그룹 1001">
             <a:extLst>
               <a:ext uri="{FF2B5EF4-FFF2-40B4-BE49-F238E27FC236}">
-                <a16:creationId xmlns="" xmlns:a16="http://schemas.microsoft.com/office/drawing/2014/main" id="{0637F47C-891C-2B90-8647-32B84C264D42}"/>
+                <a16:creationId xmlns:a16="http://schemas.microsoft.com/office/drawing/2014/main" xmlns="" id="{0637F47C-891C-2B90-8647-32B84C264D42}"/>
               </a:ext>
             </a:extLst>
           </p:cNvPr>
@@ -14031,7 +14031,7 @@
             <p:cNvPr id="8" name="Object 5">
               <a:extLst>
                 <a:ext uri="{FF2B5EF4-FFF2-40B4-BE49-F238E27FC236}">
-                  <a16:creationId xmlns="" xmlns:a16="http://schemas.microsoft.com/office/drawing/2014/main" id="{710F969D-8259-9328-33C3-C6DB500C60D4}"/>
+                  <a16:creationId xmlns:a16="http://schemas.microsoft.com/office/drawing/2014/main" xmlns="" id="{710F969D-8259-9328-33C3-C6DB500C60D4}"/>
                 </a:ext>
               </a:extLst>
             </p:cNvPr>
@@ -14062,7 +14062,7 @@
           <p:cNvPr id="9" name="그룹 1002">
             <a:extLst>
               <a:ext uri="{FF2B5EF4-FFF2-40B4-BE49-F238E27FC236}">
-                <a16:creationId xmlns="" xmlns:a16="http://schemas.microsoft.com/office/drawing/2014/main" id="{A87796A8-251B-F38A-5AE9-11F8D847B25D}"/>
+                <a16:creationId xmlns:a16="http://schemas.microsoft.com/office/drawing/2014/main" xmlns="" id="{A87796A8-251B-F38A-5AE9-11F8D847B25D}"/>
               </a:ext>
             </a:extLst>
           </p:cNvPr>
@@ -14082,7 +14082,7 @@
             <p:cNvPr id="10" name="Object 8">
               <a:extLst>
                 <a:ext uri="{FF2B5EF4-FFF2-40B4-BE49-F238E27FC236}">
-                  <a16:creationId xmlns="" xmlns:a16="http://schemas.microsoft.com/office/drawing/2014/main" id="{9E806C19-D323-E705-F3B8-EEABB39F0993}"/>
+                  <a16:creationId xmlns:a16="http://schemas.microsoft.com/office/drawing/2014/main" xmlns="" id="{9E806C19-D323-E705-F3B8-EEABB39F0993}"/>
                 </a:ext>
               </a:extLst>
             </p:cNvPr>
@@ -14113,7 +14113,7 @@
           <p:cNvPr id="11" name="그룹 1003">
             <a:extLst>
               <a:ext uri="{FF2B5EF4-FFF2-40B4-BE49-F238E27FC236}">
-                <a16:creationId xmlns="" xmlns:a16="http://schemas.microsoft.com/office/drawing/2014/main" id="{701795E0-24B6-38E6-7308-FED7AD2B6900}"/>
+                <a16:creationId xmlns:a16="http://schemas.microsoft.com/office/drawing/2014/main" xmlns="" id="{701795E0-24B6-38E6-7308-FED7AD2B6900}"/>
               </a:ext>
             </a:extLst>
           </p:cNvPr>
@@ -14133,7 +14133,7 @@
             <p:cNvPr id="12" name="Object 11">
               <a:extLst>
                 <a:ext uri="{FF2B5EF4-FFF2-40B4-BE49-F238E27FC236}">
-                  <a16:creationId xmlns="" xmlns:a16="http://schemas.microsoft.com/office/drawing/2014/main" id="{D8C68167-7FB5-1F8E-D53C-DEA682F465F5}"/>
+                  <a16:creationId xmlns:a16="http://schemas.microsoft.com/office/drawing/2014/main" xmlns="" id="{D8C68167-7FB5-1F8E-D53C-DEA682F465F5}"/>
                 </a:ext>
               </a:extLst>
             </p:cNvPr>
@@ -14164,7 +14164,7 @@
           <p:cNvPr id="13" name="그룹 1004">
             <a:extLst>
               <a:ext uri="{FF2B5EF4-FFF2-40B4-BE49-F238E27FC236}">
-                <a16:creationId xmlns="" xmlns:a16="http://schemas.microsoft.com/office/drawing/2014/main" id="{03226A72-764D-99F3-A14F-47C351CB448B}"/>
+                <a16:creationId xmlns:a16="http://schemas.microsoft.com/office/drawing/2014/main" xmlns="" id="{03226A72-764D-99F3-A14F-47C351CB448B}"/>
               </a:ext>
             </a:extLst>
           </p:cNvPr>
@@ -14184,7 +14184,7 @@
             <p:cNvPr id="14" name="Object 14">
               <a:extLst>
                 <a:ext uri="{FF2B5EF4-FFF2-40B4-BE49-F238E27FC236}">
-                  <a16:creationId xmlns="" xmlns:a16="http://schemas.microsoft.com/office/drawing/2014/main" id="{77C5B9A8-AEBA-093B-4CD6-4F1ECF519068}"/>
+                  <a16:creationId xmlns:a16="http://schemas.microsoft.com/office/drawing/2014/main" xmlns="" id="{77C5B9A8-AEBA-093B-4CD6-4F1ECF519068}"/>
                 </a:ext>
               </a:extLst>
             </p:cNvPr>
@@ -14215,7 +14215,7 @@
           <p:cNvPr id="15" name="TextBox 14">
             <a:extLst>
               <a:ext uri="{FF2B5EF4-FFF2-40B4-BE49-F238E27FC236}">
-                <a16:creationId xmlns="" xmlns:a16="http://schemas.microsoft.com/office/drawing/2014/main" id="{E44AB10B-96D7-19D1-5C7A-D2761E62F16E}"/>
+                <a16:creationId xmlns:a16="http://schemas.microsoft.com/office/drawing/2014/main" xmlns="" id="{E44AB10B-96D7-19D1-5C7A-D2761E62F16E}"/>
               </a:ext>
             </a:extLst>
           </p:cNvPr>
@@ -14300,7 +14300,7 @@
           <p:cNvPr id="4" name="TextBox 3">
             <a:extLst>
               <a:ext uri="{FF2B5EF4-FFF2-40B4-BE49-F238E27FC236}">
-                <a16:creationId xmlns:a16="http://schemas.microsoft.com/office/drawing/2014/main" xmlns="" id="{5ADC00B6-990A-40DC-3CEA-505258F5E8DA}"/>
+                <a16:creationId xmlns="" xmlns:a16="http://schemas.microsoft.com/office/drawing/2014/main" id="{5ADC00B6-990A-40DC-3CEA-505258F5E8DA}"/>
               </a:ext>
             </a:extLst>
           </p:cNvPr>
@@ -14358,7 +14358,7 @@
           <p:cNvPr id="5" name="TextBox 4">
             <a:extLst>
               <a:ext uri="{FF2B5EF4-FFF2-40B4-BE49-F238E27FC236}">
-                <a16:creationId xmlns="" xmlns:a16="http://schemas.microsoft.com/office/drawing/2014/main" id="{4EDAA912-8FA0-0F11-119B-EA9F8B36A489}"/>
+                <a16:creationId xmlns:a16="http://schemas.microsoft.com/office/drawing/2014/main" xmlns="" id="{4EDAA912-8FA0-0F11-119B-EA9F8B36A489}"/>
               </a:ext>
             </a:extLst>
           </p:cNvPr>
@@ -14475,7 +14475,7 @@
           <p:cNvPr id="9" name="TextBox 8">
             <a:extLst>
               <a:ext uri="{FF2B5EF4-FFF2-40B4-BE49-F238E27FC236}">
-                <a16:creationId xmlns:a16="http://schemas.microsoft.com/office/drawing/2014/main" xmlns="" id="{5ADC00B6-990A-40DC-3CEA-505258F5E8DA}"/>
+                <a16:creationId xmlns="" xmlns:a16="http://schemas.microsoft.com/office/drawing/2014/main" id="{5ADC00B6-990A-40DC-3CEA-505258F5E8DA}"/>
               </a:ext>
             </a:extLst>
           </p:cNvPr>
@@ -14543,7 +14543,7 @@
           <p:cNvPr id="10" name="TextBox 9">
             <a:extLst>
               <a:ext uri="{FF2B5EF4-FFF2-40B4-BE49-F238E27FC236}">
-                <a16:creationId xmlns="" xmlns:a16="http://schemas.microsoft.com/office/drawing/2014/main" id="{4EDAA912-8FA0-0F11-119B-EA9F8B36A489}"/>
+                <a16:creationId xmlns:a16="http://schemas.microsoft.com/office/drawing/2014/main" xmlns="" id="{4EDAA912-8FA0-0F11-119B-EA9F8B36A489}"/>
               </a:ext>
             </a:extLst>
           </p:cNvPr>
@@ -14644,13 +14644,6 @@
               </a:rPr>
               <a:t>)</a:t>
             </a:r>
-            <a:endParaRPr lang="en-US" altLang="ko-KR" sz="2800" smtClean="0">
-              <a:solidFill>
-                <a:srgbClr val="FF0000"/>
-              </a:solidFill>
-              <a:latin typeface="G마켓 산스 Medium" panose="02000000000000000000" pitchFamily="50" charset="-127"/>
-              <a:ea typeface="G마켓 산스 Medium" panose="02000000000000000000" pitchFamily="50" charset="-127"/>
-            </a:endParaRPr>
           </a:p>
         </p:txBody>
       </p:sp>
@@ -14731,7 +14724,7 @@
           <p:cNvPr id="13" name="TextBox 12">
             <a:extLst>
               <a:ext uri="{FF2B5EF4-FFF2-40B4-BE49-F238E27FC236}">
-                <a16:creationId xmlns:a16="http://schemas.microsoft.com/office/drawing/2014/main" xmlns="" id="{5ADC00B6-990A-40DC-3CEA-505258F5E8DA}"/>
+                <a16:creationId xmlns="" xmlns:a16="http://schemas.microsoft.com/office/drawing/2014/main" id="{5ADC00B6-990A-40DC-3CEA-505258F5E8DA}"/>
               </a:ext>
             </a:extLst>
           </p:cNvPr>
@@ -14837,7 +14830,7 @@
           <p:cNvPr id="16" name="TextBox 15">
             <a:extLst>
               <a:ext uri="{FF2B5EF4-FFF2-40B4-BE49-F238E27FC236}">
-                <a16:creationId xmlns="" xmlns:a16="http://schemas.microsoft.com/office/drawing/2014/main" id="{4EDAA912-8FA0-0F11-119B-EA9F8B36A489}"/>
+                <a16:creationId xmlns:a16="http://schemas.microsoft.com/office/drawing/2014/main" xmlns="" id="{4EDAA912-8FA0-0F11-119B-EA9F8B36A489}"/>
               </a:ext>
             </a:extLst>
           </p:cNvPr>
@@ -14978,7 +14971,7 @@
           <p:cNvPr id="18" name="TextBox 17">
             <a:extLst>
               <a:ext uri="{FF2B5EF4-FFF2-40B4-BE49-F238E27FC236}">
-                <a16:creationId xmlns:a16="http://schemas.microsoft.com/office/drawing/2014/main" xmlns="" id="{5ADC00B6-990A-40DC-3CEA-505258F5E8DA}"/>
+                <a16:creationId xmlns="" xmlns:a16="http://schemas.microsoft.com/office/drawing/2014/main" id="{5ADC00B6-990A-40DC-3CEA-505258F5E8DA}"/>
               </a:ext>
             </a:extLst>
           </p:cNvPr>
@@ -15036,7 +15029,7 @@
           <p:cNvPr id="19" name="TextBox 18">
             <a:extLst>
               <a:ext uri="{FF2B5EF4-FFF2-40B4-BE49-F238E27FC236}">
-                <a16:creationId xmlns="" xmlns:a16="http://schemas.microsoft.com/office/drawing/2014/main" id="{4EDAA912-8FA0-0F11-119B-EA9F8B36A489}"/>
+                <a16:creationId xmlns:a16="http://schemas.microsoft.com/office/drawing/2014/main" xmlns="" id="{4EDAA912-8FA0-0F11-119B-EA9F8B36A489}"/>
               </a:ext>
             </a:extLst>
           </p:cNvPr>
@@ -15168,7 +15161,27 @@
                 <a:latin typeface="G마켓 산스 Medium" panose="02000000000000000000" pitchFamily="50" charset="-127"/>
                 <a:ea typeface="G마켓 산스 Medium" panose="02000000000000000000" pitchFamily="50" charset="-127"/>
               </a:rPr>
-              <a:t>= 5/9 x (</a:t>
+              <a:t>= 5/9 x </a:t>
+            </a:r>
+            <a:r>
+              <a:rPr lang="en-US" altLang="ko-KR" sz="3600" smtClean="0">
+                <a:solidFill>
+                  <a:srgbClr val="4D4848"/>
+                </a:solidFill>
+                <a:latin typeface="G마켓 산스 Medium" panose="02000000000000000000" pitchFamily="50" charset="-127"/>
+                <a:ea typeface="G마켓 산스 Medium" panose="02000000000000000000" pitchFamily="50" charset="-127"/>
+              </a:rPr>
+              <a:t>(</a:t>
+            </a:r>
+            <a:r>
+              <a:rPr lang="ko-KR" altLang="en-US" sz="3600">
+                <a:solidFill>
+                  <a:srgbClr val="4D4848"/>
+                </a:solidFill>
+                <a:latin typeface="G마켓 산스 Medium" panose="02000000000000000000" pitchFamily="50" charset="-127"/>
+                <a:ea typeface="G마켓 산스 Medium" panose="02000000000000000000" pitchFamily="50" charset="-127"/>
+              </a:rPr>
+              <a:t>화</a:t>
             </a:r>
             <a:r>
               <a:rPr lang="ko-KR" altLang="en-US" sz="3600" smtClean="0">
@@ -15178,7 +15191,7 @@
                 <a:latin typeface="G마켓 산스 Medium" panose="02000000000000000000" pitchFamily="50" charset="-127"/>
                 <a:ea typeface="G마켓 산스 Medium" panose="02000000000000000000" pitchFamily="50" charset="-127"/>
               </a:rPr>
-              <a:t>섭씨 </a:t>
+              <a:t>씨 </a:t>
             </a:r>
             <a:r>
               <a:rPr lang="en-US" altLang="ko-KR" sz="3600" smtClean="0">
@@ -15190,13 +15203,6 @@
               </a:rPr>
               <a:t>-32)</a:t>
             </a:r>
-            <a:endParaRPr lang="en-US" altLang="ko-KR" sz="3600" smtClean="0">
-              <a:solidFill>
-                <a:srgbClr val="4D4848"/>
-              </a:solidFill>
-              <a:latin typeface="G마켓 산스 Medium" panose="02000000000000000000" pitchFamily="50" charset="-127"/>
-              <a:ea typeface="G마켓 산스 Medium" panose="02000000000000000000" pitchFamily="50" charset="-127"/>
-            </a:endParaRPr>
           </a:p>
         </p:txBody>
       </p:sp>
@@ -15759,7 +15765,7 @@
           <p:cNvPr id="2" name="TextBox 1">
             <a:extLst>
               <a:ext uri="{FF2B5EF4-FFF2-40B4-BE49-F238E27FC236}">
-                <a16:creationId xmlns="" xmlns:a16="http://schemas.microsoft.com/office/drawing/2014/main" id="{715D88A2-BD52-978B-A00A-540446126E3D}"/>
+                <a16:creationId xmlns:a16="http://schemas.microsoft.com/office/drawing/2014/main" xmlns="" id="{715D88A2-BD52-978B-A00A-540446126E3D}"/>
               </a:ext>
             </a:extLst>
           </p:cNvPr>
@@ -15839,7 +15845,7 @@
           <p:cNvPr id="4" name="TextBox 3">
             <a:extLst>
               <a:ext uri="{FF2B5EF4-FFF2-40B4-BE49-F238E27FC236}">
-                <a16:creationId xmlns="" xmlns:a16="http://schemas.microsoft.com/office/drawing/2014/main" id="{7229BEA6-121E-9056-D07F-2B3BB1795F76}"/>
+                <a16:creationId xmlns:a16="http://schemas.microsoft.com/office/drawing/2014/main" xmlns="" id="{7229BEA6-121E-9056-D07F-2B3BB1795F76}"/>
               </a:ext>
             </a:extLst>
           </p:cNvPr>
@@ -15887,7 +15893,7 @@
           <p:cNvPr id="6" name="직선 화살표 연결선 5">
             <a:extLst>
               <a:ext uri="{FF2B5EF4-FFF2-40B4-BE49-F238E27FC236}">
-                <a16:creationId xmlns:a16="http://schemas.microsoft.com/office/drawing/2014/main" xmlns="" id="{299DF5EC-9DF4-5255-06AC-0A7CE4FF58C3}"/>
+                <a16:creationId xmlns="" xmlns:a16="http://schemas.microsoft.com/office/drawing/2014/main" id="{299DF5EC-9DF4-5255-06AC-0A7CE4FF58C3}"/>
               </a:ext>
             </a:extLst>
           </p:cNvPr>
@@ -15928,7 +15934,7 @@
           <p:cNvPr id="9" name="TextBox 8">
             <a:extLst>
               <a:ext uri="{FF2B5EF4-FFF2-40B4-BE49-F238E27FC236}">
-                <a16:creationId xmlns:a16="http://schemas.microsoft.com/office/drawing/2014/main" xmlns="" id="{5ADC00B6-990A-40DC-3CEA-505258F5E8DA}"/>
+                <a16:creationId xmlns="" xmlns:a16="http://schemas.microsoft.com/office/drawing/2014/main" id="{5ADC00B6-990A-40DC-3CEA-505258F5E8DA}"/>
               </a:ext>
             </a:extLst>
           </p:cNvPr>
@@ -15976,7 +15982,7 @@
           <p:cNvPr id="10" name="TextBox 9">
             <a:extLst>
               <a:ext uri="{FF2B5EF4-FFF2-40B4-BE49-F238E27FC236}">
-                <a16:creationId xmlns:a16="http://schemas.microsoft.com/office/drawing/2014/main" xmlns="" id="{5ADC00B6-990A-40DC-3CEA-505258F5E8DA}"/>
+                <a16:creationId xmlns="" xmlns:a16="http://schemas.microsoft.com/office/drawing/2014/main" id="{5ADC00B6-990A-40DC-3CEA-505258F5E8DA}"/>
               </a:ext>
             </a:extLst>
           </p:cNvPr>
@@ -16024,7 +16030,7 @@
           <p:cNvPr id="12" name="직선 화살표 연결선 11">
             <a:extLst>
               <a:ext uri="{FF2B5EF4-FFF2-40B4-BE49-F238E27FC236}">
-                <a16:creationId xmlns:a16="http://schemas.microsoft.com/office/drawing/2014/main" xmlns="" id="{299DF5EC-9DF4-5255-06AC-0A7CE4FF58C3}"/>
+                <a16:creationId xmlns="" xmlns:a16="http://schemas.microsoft.com/office/drawing/2014/main" id="{299DF5EC-9DF4-5255-06AC-0A7CE4FF58C3}"/>
               </a:ext>
             </a:extLst>
           </p:cNvPr>
@@ -16065,7 +16071,7 @@
           <p:cNvPr id="14" name="직선 화살표 연결선 13">
             <a:extLst>
               <a:ext uri="{FF2B5EF4-FFF2-40B4-BE49-F238E27FC236}">
-                <a16:creationId xmlns:a16="http://schemas.microsoft.com/office/drawing/2014/main" xmlns="" id="{299DF5EC-9DF4-5255-06AC-0A7CE4FF58C3}"/>
+                <a16:creationId xmlns="" xmlns:a16="http://schemas.microsoft.com/office/drawing/2014/main" id="{299DF5EC-9DF4-5255-06AC-0A7CE4FF58C3}"/>
               </a:ext>
             </a:extLst>
           </p:cNvPr>
@@ -16106,7 +16112,7 @@
           <p:cNvPr id="16" name="TextBox 15">
             <a:extLst>
               <a:ext uri="{FF2B5EF4-FFF2-40B4-BE49-F238E27FC236}">
-                <a16:creationId xmlns:a16="http://schemas.microsoft.com/office/drawing/2014/main" xmlns="" id="{5ADC00B6-990A-40DC-3CEA-505258F5E8DA}"/>
+                <a16:creationId xmlns="" xmlns:a16="http://schemas.microsoft.com/office/drawing/2014/main" id="{5ADC00B6-990A-40DC-3CEA-505258F5E8DA}"/>
               </a:ext>
             </a:extLst>
           </p:cNvPr>
@@ -16154,7 +16160,7 @@
           <p:cNvPr id="17" name="직선 화살표 연결선 16">
             <a:extLst>
               <a:ext uri="{FF2B5EF4-FFF2-40B4-BE49-F238E27FC236}">
-                <a16:creationId xmlns:a16="http://schemas.microsoft.com/office/drawing/2014/main" xmlns="" id="{299DF5EC-9DF4-5255-06AC-0A7CE4FF58C3}"/>
+                <a16:creationId xmlns="" xmlns:a16="http://schemas.microsoft.com/office/drawing/2014/main" id="{299DF5EC-9DF4-5255-06AC-0A7CE4FF58C3}"/>
               </a:ext>
             </a:extLst>
           </p:cNvPr>
@@ -16195,7 +16201,7 @@
           <p:cNvPr id="19" name="TextBox 18">
             <a:extLst>
               <a:ext uri="{FF2B5EF4-FFF2-40B4-BE49-F238E27FC236}">
-                <a16:creationId xmlns:a16="http://schemas.microsoft.com/office/drawing/2014/main" xmlns="" id="{5ADC00B6-990A-40DC-3CEA-505258F5E8DA}"/>
+                <a16:creationId xmlns="" xmlns:a16="http://schemas.microsoft.com/office/drawing/2014/main" id="{5ADC00B6-990A-40DC-3CEA-505258F5E8DA}"/>
               </a:ext>
             </a:extLst>
           </p:cNvPr>
@@ -16243,7 +16249,7 @@
           <p:cNvPr id="20" name="직선 화살표 연결선 19">
             <a:extLst>
               <a:ext uri="{FF2B5EF4-FFF2-40B4-BE49-F238E27FC236}">
-                <a16:creationId xmlns:a16="http://schemas.microsoft.com/office/drawing/2014/main" xmlns="" id="{299DF5EC-9DF4-5255-06AC-0A7CE4FF58C3}"/>
+                <a16:creationId xmlns="" xmlns:a16="http://schemas.microsoft.com/office/drawing/2014/main" id="{299DF5EC-9DF4-5255-06AC-0A7CE4FF58C3}"/>
               </a:ext>
             </a:extLst>
           </p:cNvPr>
@@ -16284,7 +16290,7 @@
           <p:cNvPr id="22" name="TextBox 21">
             <a:extLst>
               <a:ext uri="{FF2B5EF4-FFF2-40B4-BE49-F238E27FC236}">
-                <a16:creationId xmlns:a16="http://schemas.microsoft.com/office/drawing/2014/main" xmlns="" id="{5ADC00B6-990A-40DC-3CEA-505258F5E8DA}"/>
+                <a16:creationId xmlns="" xmlns:a16="http://schemas.microsoft.com/office/drawing/2014/main" id="{5ADC00B6-990A-40DC-3CEA-505258F5E8DA}"/>
               </a:ext>
             </a:extLst>
           </p:cNvPr>
@@ -16557,7 +16563,7 @@
           <p:cNvPr id="2" name="TextBox 1">
             <a:extLst>
               <a:ext uri="{FF2B5EF4-FFF2-40B4-BE49-F238E27FC236}">
-                <a16:creationId xmlns="" xmlns:a16="http://schemas.microsoft.com/office/drawing/2014/main" id="{76F36AE5-79B5-0B9F-E510-1C27AAC4B649}"/>
+                <a16:creationId xmlns:a16="http://schemas.microsoft.com/office/drawing/2014/main" xmlns="" id="{76F36AE5-79B5-0B9F-E510-1C27AAC4B649}"/>
               </a:ext>
             </a:extLst>
           </p:cNvPr>
@@ -16720,7 +16726,7 @@
           <p:cNvPr id="27" name="TextBox 26">
             <a:extLst>
               <a:ext uri="{FF2B5EF4-FFF2-40B4-BE49-F238E27FC236}">
-                <a16:creationId xmlns="" xmlns:a16="http://schemas.microsoft.com/office/drawing/2014/main" id="{7229BEA6-121E-9056-D07F-2B3BB1795F76}"/>
+                <a16:creationId xmlns:a16="http://schemas.microsoft.com/office/drawing/2014/main" xmlns="" id="{7229BEA6-121E-9056-D07F-2B3BB1795F76}"/>
               </a:ext>
             </a:extLst>
           </p:cNvPr>
@@ -18571,7 +18577,7 @@
           <p:cNvPr id="4" name="TextBox 3">
             <a:extLst>
               <a:ext uri="{FF2B5EF4-FFF2-40B4-BE49-F238E27FC236}">
-                <a16:creationId xmlns="" xmlns:a16="http://schemas.microsoft.com/office/drawing/2014/main" id="{7229BEA6-121E-9056-D07F-2B3BB1795F76}"/>
+                <a16:creationId xmlns:a16="http://schemas.microsoft.com/office/drawing/2014/main" xmlns="" id="{7229BEA6-121E-9056-D07F-2B3BB1795F76}"/>
               </a:ext>
             </a:extLst>
           </p:cNvPr>
@@ -18619,7 +18625,7 @@
           <p:cNvPr id="5" name="TextBox 4">
             <a:extLst>
               <a:ext uri="{FF2B5EF4-FFF2-40B4-BE49-F238E27FC236}">
-                <a16:creationId xmlns="" xmlns:a16="http://schemas.microsoft.com/office/drawing/2014/main" id="{7229BEA6-121E-9056-D07F-2B3BB1795F76}"/>
+                <a16:creationId xmlns:a16="http://schemas.microsoft.com/office/drawing/2014/main" xmlns="" id="{7229BEA6-121E-9056-D07F-2B3BB1795F76}"/>
               </a:ext>
             </a:extLst>
           </p:cNvPr>
@@ -18677,7 +18683,7 @@
           <p:cNvPr id="6" name="TextBox 5">
             <a:extLst>
               <a:ext uri="{FF2B5EF4-FFF2-40B4-BE49-F238E27FC236}">
-                <a16:creationId xmlns="" xmlns:a16="http://schemas.microsoft.com/office/drawing/2014/main" id="{7229BEA6-121E-9056-D07F-2B3BB1795F76}"/>
+                <a16:creationId xmlns:a16="http://schemas.microsoft.com/office/drawing/2014/main" xmlns="" id="{7229BEA6-121E-9056-D07F-2B3BB1795F76}"/>
               </a:ext>
             </a:extLst>
           </p:cNvPr>
@@ -18725,7 +18731,7 @@
           <p:cNvPr id="7" name="TextBox 6">
             <a:extLst>
               <a:ext uri="{FF2B5EF4-FFF2-40B4-BE49-F238E27FC236}">
-                <a16:creationId xmlns:a16="http://schemas.microsoft.com/office/drawing/2014/main" xmlns="" id="{5ADC00B6-990A-40DC-3CEA-505258F5E8DA}"/>
+                <a16:creationId xmlns="" xmlns:a16="http://schemas.microsoft.com/office/drawing/2014/main" id="{5ADC00B6-990A-40DC-3CEA-505258F5E8DA}"/>
               </a:ext>
             </a:extLst>
           </p:cNvPr>
@@ -18773,7 +18779,7 @@
           <p:cNvPr id="8" name="TextBox 7">
             <a:extLst>
               <a:ext uri="{FF2B5EF4-FFF2-40B4-BE49-F238E27FC236}">
-                <a16:creationId xmlns:a16="http://schemas.microsoft.com/office/drawing/2014/main" xmlns="" id="{5ADC00B6-990A-40DC-3CEA-505258F5E8DA}"/>
+                <a16:creationId xmlns="" xmlns:a16="http://schemas.microsoft.com/office/drawing/2014/main" id="{5ADC00B6-990A-40DC-3CEA-505258F5E8DA}"/>
               </a:ext>
             </a:extLst>
           </p:cNvPr>
@@ -18821,7 +18827,7 @@
           <p:cNvPr id="9" name="직사각형 8">
             <a:extLst>
               <a:ext uri="{FF2B5EF4-FFF2-40B4-BE49-F238E27FC236}">
-                <a16:creationId xmlns:a16="http://schemas.microsoft.com/office/drawing/2014/main" xmlns="" id="{FFF506F9-840A-0508-4CAF-3AC711D8D5CE}"/>
+                <a16:creationId xmlns="" xmlns:a16="http://schemas.microsoft.com/office/drawing/2014/main" id="{FFF506F9-840A-0508-4CAF-3AC711D8D5CE}"/>
               </a:ext>
             </a:extLst>
           </p:cNvPr>
@@ -18873,7 +18879,7 @@
           <p:cNvPr id="10" name="직사각형 9">
             <a:extLst>
               <a:ext uri="{FF2B5EF4-FFF2-40B4-BE49-F238E27FC236}">
-                <a16:creationId xmlns:a16="http://schemas.microsoft.com/office/drawing/2014/main" xmlns="" id="{FFF506F9-840A-0508-4CAF-3AC711D8D5CE}"/>
+                <a16:creationId xmlns="" xmlns:a16="http://schemas.microsoft.com/office/drawing/2014/main" id="{FFF506F9-840A-0508-4CAF-3AC711D8D5CE}"/>
               </a:ext>
             </a:extLst>
           </p:cNvPr>
@@ -18925,7 +18931,7 @@
           <p:cNvPr id="11" name="직사각형 10">
             <a:extLst>
               <a:ext uri="{FF2B5EF4-FFF2-40B4-BE49-F238E27FC236}">
-                <a16:creationId xmlns:a16="http://schemas.microsoft.com/office/drawing/2014/main" xmlns="" id="{FFF506F9-840A-0508-4CAF-3AC711D8D5CE}"/>
+                <a16:creationId xmlns="" xmlns:a16="http://schemas.microsoft.com/office/drawing/2014/main" id="{FFF506F9-840A-0508-4CAF-3AC711D8D5CE}"/>
               </a:ext>
             </a:extLst>
           </p:cNvPr>
@@ -19001,7 +19007,7 @@
           <p:cNvPr id="14" name="직사각형 13">
             <a:extLst>
               <a:ext uri="{FF2B5EF4-FFF2-40B4-BE49-F238E27FC236}">
-                <a16:creationId xmlns:a16="http://schemas.microsoft.com/office/drawing/2014/main" xmlns="" id="{FFF506F9-840A-0508-4CAF-3AC711D8D5CE}"/>
+                <a16:creationId xmlns="" xmlns:a16="http://schemas.microsoft.com/office/drawing/2014/main" id="{FFF506F9-840A-0508-4CAF-3AC711D8D5CE}"/>
               </a:ext>
             </a:extLst>
           </p:cNvPr>
@@ -19053,7 +19059,7 @@
           <p:cNvPr id="15" name="직사각형 14">
             <a:extLst>
               <a:ext uri="{FF2B5EF4-FFF2-40B4-BE49-F238E27FC236}">
-                <a16:creationId xmlns:a16="http://schemas.microsoft.com/office/drawing/2014/main" xmlns="" id="{FFF506F9-840A-0508-4CAF-3AC711D8D5CE}"/>
+                <a16:creationId xmlns="" xmlns:a16="http://schemas.microsoft.com/office/drawing/2014/main" id="{FFF506F9-840A-0508-4CAF-3AC711D8D5CE}"/>
               </a:ext>
             </a:extLst>
           </p:cNvPr>
@@ -19105,7 +19111,7 @@
           <p:cNvPr id="16" name="직사각형 15">
             <a:extLst>
               <a:ext uri="{FF2B5EF4-FFF2-40B4-BE49-F238E27FC236}">
-                <a16:creationId xmlns:a16="http://schemas.microsoft.com/office/drawing/2014/main" xmlns="" id="{FFF506F9-840A-0508-4CAF-3AC711D8D5CE}"/>
+                <a16:creationId xmlns="" xmlns:a16="http://schemas.microsoft.com/office/drawing/2014/main" id="{FFF506F9-840A-0508-4CAF-3AC711D8D5CE}"/>
               </a:ext>
             </a:extLst>
           </p:cNvPr>
@@ -19488,7 +19494,7 @@
           <p:cNvPr id="4" name="TextBox 3">
             <a:extLst>
               <a:ext uri="{FF2B5EF4-FFF2-40B4-BE49-F238E27FC236}">
-                <a16:creationId xmlns="" xmlns:a16="http://schemas.microsoft.com/office/drawing/2014/main" id="{7229BEA6-121E-9056-D07F-2B3BB1795F76}"/>
+                <a16:creationId xmlns:a16="http://schemas.microsoft.com/office/drawing/2014/main" xmlns="" id="{7229BEA6-121E-9056-D07F-2B3BB1795F76}"/>
               </a:ext>
             </a:extLst>
           </p:cNvPr>
@@ -19536,7 +19542,7 @@
           <p:cNvPr id="5" name="TextBox 4">
             <a:extLst>
               <a:ext uri="{FF2B5EF4-FFF2-40B4-BE49-F238E27FC236}">
-                <a16:creationId xmlns:a16="http://schemas.microsoft.com/office/drawing/2014/main" xmlns="" id="{5ADC00B6-990A-40DC-3CEA-505258F5E8DA}"/>
+                <a16:creationId xmlns="" xmlns:a16="http://schemas.microsoft.com/office/drawing/2014/main" id="{5ADC00B6-990A-40DC-3CEA-505258F5E8DA}"/>
               </a:ext>
             </a:extLst>
           </p:cNvPr>
@@ -19655,7 +19661,7 @@
           <p:cNvPr id="4" name="TextBox 3">
             <a:extLst>
               <a:ext uri="{FF2B5EF4-FFF2-40B4-BE49-F238E27FC236}">
-                <a16:creationId xmlns:a16="http://schemas.microsoft.com/office/drawing/2014/main" xmlns="" id="{5ADC00B6-990A-40DC-3CEA-505258F5E8DA}"/>
+                <a16:creationId xmlns="" xmlns:a16="http://schemas.microsoft.com/office/drawing/2014/main" id="{5ADC00B6-990A-40DC-3CEA-505258F5E8DA}"/>
               </a:ext>
             </a:extLst>
           </p:cNvPr>
@@ -19737,7 +19743,7 @@
           <p:cNvPr id="6" name="TextBox 5">
             <a:extLst>
               <a:ext uri="{FF2B5EF4-FFF2-40B4-BE49-F238E27FC236}">
-                <a16:creationId xmlns:a16="http://schemas.microsoft.com/office/drawing/2014/main" xmlns="" id="{5ADC00B6-990A-40DC-3CEA-505258F5E8DA}"/>
+                <a16:creationId xmlns="" xmlns:a16="http://schemas.microsoft.com/office/drawing/2014/main" id="{5ADC00B6-990A-40DC-3CEA-505258F5E8DA}"/>
               </a:ext>
             </a:extLst>
           </p:cNvPr>
